--- a/GoogleDrive/Posters/Poster.pptx
+++ b/GoogleDrive/Posters/Poster.pptx
@@ -2,27 +2,28 @@
 <file path=ppt/presentation.xml><?xml version="1.0" encoding="utf-8"?>
 <p:presentation xmlns:a="http://schemas.openxmlformats.org/drawingml/2006/main" xmlns:r="http://schemas.openxmlformats.org/officeDocument/2006/relationships" xmlns:mc="http://schemas.openxmlformats.org/markup-compatibility/2006" xmlns:mv="urn:schemas-microsoft-com:mac:vml" xmlns:p="http://schemas.openxmlformats.org/presentationml/2006/main" xmlns:c="http://schemas.openxmlformats.org/drawingml/2006/chart" xmlns:dgm="http://schemas.openxmlformats.org/drawingml/2006/diagram" xmlns:o="urn:schemas-microsoft-com:office:office" xmlns:v="urn:schemas-microsoft-com:vml" xmlns:pvml="urn:schemas-microsoft-com:office:powerpoint" xmlns:com="http://schemas.openxmlformats.org/drawingml/2006/compatibility" xmlns:p14="http://schemas.microsoft.com/office/powerpoint/2010/main" xmlns:p15="http://schemas.microsoft.com/office/powerpoint/2012/main" autoCompressPictures="0" embedTrueTypeFonts="1" strictFirstAndLastChars="0" saveSubsetFonts="1">
   <p:sldMasterIdLst>
-    <p:sldMasterId id="2147483659" r:id="rId3"/>
+    <p:sldMasterId id="2147483659" r:id="rId4"/>
   </p:sldMasterIdLst>
   <p:notesMasterIdLst>
-    <p:notesMasterId r:id="rId4"/>
+    <p:notesMasterId r:id="rId5"/>
   </p:notesMasterIdLst>
   <p:sldIdLst>
-    <p:sldId id="256" r:id="rId5"/>
+    <p:sldId id="256" r:id="rId6"/>
   </p:sldIdLst>
-  <p:sldSz cy="30266650" cx="21396950"/>
+  <p:sldSz cy="21396950" cx="30266650"/>
   <p:notesSz cx="6858000" cy="9144000"/>
   <p:embeddedFontLst>
     <p:embeddedFont>
       <p:font typeface="Roboto"/>
-      <p:regular r:id="rId6"/>
-      <p:bold r:id="rId7"/>
-      <p:italic r:id="rId8"/>
-      <p:boldItalic r:id="rId9"/>
+      <p:regular r:id="rId7"/>
+      <p:bold r:id="rId8"/>
+      <p:italic r:id="rId9"/>
+      <p:boldItalic r:id="rId10"/>
     </p:embeddedFont>
     <p:embeddedFont>
-      <p:font typeface="Gloria Hallelujah"/>
-      <p:regular r:id="rId10"/>
+      <p:font typeface="Comfortaa"/>
+      <p:regular r:id="rId11"/>
+      <p:bold r:id="rId12"/>
     </p:embeddedFont>
   </p:embeddedFontLst>
   <p:defaultTextStyle>
@@ -254,6 +255,22 @@
       </a:defRPr>
     </a:lvl9pPr>
   </p:defaultTextStyle>
+  <p:extLst>
+    <p:ext uri="{EFAFB233-063F-42B5-8137-9DF3F51BA10A}">
+      <p15:sldGuideLst>
+        <p15:guide id="1" orient="horz" pos="6739">
+          <p15:clr>
+            <a:srgbClr val="A4A3A4"/>
+          </p15:clr>
+        </p15:guide>
+        <p15:guide id="2" pos="9533">
+          <p15:clr>
+            <a:srgbClr val="A4A3A4"/>
+          </p15:clr>
+        </p15:guide>
+      </p15:sldGuideLst>
+    </p:ext>
+  </p:extLst>
 </p:presentation>
 </file>
 
@@ -284,8 +301,8 @@
         </p:nvSpPr>
         <p:spPr>
           <a:xfrm>
-            <a:off x="2217260" y="685800"/>
-            <a:ext cx="2424300" cy="3429000"/>
+            <a:off x="1004022" y="685800"/>
+            <a:ext cx="4850700" cy="3429000"/>
           </a:xfrm>
           <a:custGeom>
             <a:pathLst>
@@ -707,8 +724,8 @@
         </p:nvSpPr>
         <p:spPr>
           <a:xfrm>
-            <a:off x="2217260" y="685800"/>
-            <a:ext cx="2424300" cy="3429000"/>
+            <a:off x="1004022" y="685800"/>
+            <a:ext cx="4850700" cy="3429000"/>
           </a:xfrm>
           <a:custGeom>
             <a:pathLst>
@@ -754,391 +771,6 @@
           </a:bodyPr>
           <a:lstStyle/>
           <a:p>
-            <a:pPr indent="0" lvl="0" marL="0" rtl="0">
-              <a:lnSpc>
-                <a:spcPct val="125000"/>
-              </a:lnSpc>
-              <a:spcBef>
-                <a:spcPts val="0"/>
-              </a:spcBef>
-              <a:spcAft>
-                <a:spcPts val="0"/>
-              </a:spcAft>
-              <a:buNone/>
-            </a:pPr>
-            <a:r>
-              <a:rPr lang="en">
-                <a:highlight>
-                  <a:srgbClr val="FFFFFF"/>
-                </a:highlight>
-                <a:latin typeface="Roboto"/>
-                <a:ea typeface="Roboto"/>
-                <a:cs typeface="Roboto"/>
-                <a:sym typeface="Roboto"/>
-              </a:rPr>
-              <a:t>context of the problem</a:t>
-            </a:r>
-            <a:endParaRPr>
-              <a:highlight>
-                <a:srgbClr val="FFFFFF"/>
-              </a:highlight>
-              <a:latin typeface="Roboto"/>
-              <a:ea typeface="Roboto"/>
-              <a:cs typeface="Roboto"/>
-              <a:sym typeface="Roboto"/>
-            </a:endParaRPr>
-          </a:p>
-          <a:p>
-            <a:pPr indent="0" lvl="0" marL="0" rtl="0">
-              <a:lnSpc>
-                <a:spcPct val="125000"/>
-              </a:lnSpc>
-              <a:spcBef>
-                <a:spcPts val="0"/>
-              </a:spcBef>
-              <a:spcAft>
-                <a:spcPts val="0"/>
-              </a:spcAft>
-              <a:buNone/>
-            </a:pPr>
-            <a:r>
-              <a:rPr lang="en">
-                <a:highlight>
-                  <a:srgbClr val="FFFFFF"/>
-                </a:highlight>
-                <a:latin typeface="Roboto"/>
-                <a:ea typeface="Roboto"/>
-                <a:cs typeface="Roboto"/>
-                <a:sym typeface="Roboto"/>
-              </a:rPr>
-              <a:t> </a:t>
-            </a:r>
-            <a:endParaRPr>
-              <a:highlight>
-                <a:srgbClr val="FFFFFF"/>
-              </a:highlight>
-              <a:latin typeface="Roboto"/>
-              <a:ea typeface="Roboto"/>
-              <a:cs typeface="Roboto"/>
-              <a:sym typeface="Roboto"/>
-            </a:endParaRPr>
-          </a:p>
-          <a:p>
-            <a:pPr indent="0" lvl="0" marL="0" rtl="0">
-              <a:lnSpc>
-                <a:spcPct val="125000"/>
-              </a:lnSpc>
-              <a:spcBef>
-                <a:spcPts val="0"/>
-              </a:spcBef>
-              <a:spcAft>
-                <a:spcPts val="0"/>
-              </a:spcAft>
-              <a:buNone/>
-            </a:pPr>
-            <a:r>
-              <a:rPr lang="en">
-                <a:highlight>
-                  <a:srgbClr val="FFFFFF"/>
-                </a:highlight>
-                <a:latin typeface="Roboto"/>
-                <a:ea typeface="Roboto"/>
-                <a:cs typeface="Roboto"/>
-                <a:sym typeface="Roboto"/>
-              </a:rPr>
-              <a:t>scope of problem or opportunity</a:t>
-            </a:r>
-            <a:endParaRPr>
-              <a:highlight>
-                <a:srgbClr val="FFFFFF"/>
-              </a:highlight>
-              <a:latin typeface="Roboto"/>
-              <a:ea typeface="Roboto"/>
-              <a:cs typeface="Roboto"/>
-              <a:sym typeface="Roboto"/>
-            </a:endParaRPr>
-          </a:p>
-          <a:p>
-            <a:pPr indent="0" lvl="0" marL="0" rtl="0">
-              <a:lnSpc>
-                <a:spcPct val="125000"/>
-              </a:lnSpc>
-              <a:spcBef>
-                <a:spcPts val="0"/>
-              </a:spcBef>
-              <a:spcAft>
-                <a:spcPts val="0"/>
-              </a:spcAft>
-              <a:buNone/>
-            </a:pPr>
-            <a:r>
-              <a:rPr lang="en">
-                <a:highlight>
-                  <a:srgbClr val="FFFFFF"/>
-                </a:highlight>
-                <a:latin typeface="Roboto"/>
-                <a:ea typeface="Roboto"/>
-                <a:cs typeface="Roboto"/>
-                <a:sym typeface="Roboto"/>
-              </a:rPr>
-              <a:t> </a:t>
-            </a:r>
-            <a:endParaRPr>
-              <a:highlight>
-                <a:srgbClr val="FFFFFF"/>
-              </a:highlight>
-              <a:latin typeface="Roboto"/>
-              <a:ea typeface="Roboto"/>
-              <a:cs typeface="Roboto"/>
-              <a:sym typeface="Roboto"/>
-            </a:endParaRPr>
-          </a:p>
-          <a:p>
-            <a:pPr indent="0" lvl="0" marL="0" rtl="0">
-              <a:lnSpc>
-                <a:spcPct val="125000"/>
-              </a:lnSpc>
-              <a:spcBef>
-                <a:spcPts val="0"/>
-              </a:spcBef>
-              <a:spcAft>
-                <a:spcPts val="0"/>
-              </a:spcAft>
-              <a:buNone/>
-            </a:pPr>
-            <a:r>
-              <a:rPr lang="en">
-                <a:highlight>
-                  <a:srgbClr val="FFFFFF"/>
-                </a:highlight>
-                <a:latin typeface="Roboto"/>
-                <a:ea typeface="Roboto"/>
-                <a:cs typeface="Roboto"/>
-                <a:sym typeface="Roboto"/>
-              </a:rPr>
-              <a:t>approach or solution</a:t>
-            </a:r>
-            <a:endParaRPr>
-              <a:highlight>
-                <a:srgbClr val="FFFFFF"/>
-              </a:highlight>
-              <a:latin typeface="Roboto"/>
-              <a:ea typeface="Roboto"/>
-              <a:cs typeface="Roboto"/>
-              <a:sym typeface="Roboto"/>
-            </a:endParaRPr>
-          </a:p>
-          <a:p>
-            <a:pPr indent="0" lvl="0" marL="0" rtl="0">
-              <a:lnSpc>
-                <a:spcPct val="125000"/>
-              </a:lnSpc>
-              <a:spcBef>
-                <a:spcPts val="0"/>
-              </a:spcBef>
-              <a:spcAft>
-                <a:spcPts val="0"/>
-              </a:spcAft>
-              <a:buNone/>
-            </a:pPr>
-            <a:r>
-              <a:rPr lang="en">
-                <a:highlight>
-                  <a:srgbClr val="FFFFFF"/>
-                </a:highlight>
-                <a:latin typeface="Roboto"/>
-                <a:ea typeface="Roboto"/>
-                <a:cs typeface="Roboto"/>
-                <a:sym typeface="Roboto"/>
-              </a:rPr>
-              <a:t> </a:t>
-            </a:r>
-            <a:endParaRPr>
-              <a:highlight>
-                <a:srgbClr val="FFFFFF"/>
-              </a:highlight>
-              <a:latin typeface="Roboto"/>
-              <a:ea typeface="Roboto"/>
-              <a:cs typeface="Roboto"/>
-              <a:sym typeface="Roboto"/>
-            </a:endParaRPr>
-          </a:p>
-          <a:p>
-            <a:pPr indent="0" lvl="0" marL="0" rtl="0">
-              <a:lnSpc>
-                <a:spcPct val="125000"/>
-              </a:lnSpc>
-              <a:spcBef>
-                <a:spcPts val="0"/>
-              </a:spcBef>
-              <a:spcAft>
-                <a:spcPts val="0"/>
-              </a:spcAft>
-              <a:buNone/>
-            </a:pPr>
-            <a:r>
-              <a:rPr lang="en">
-                <a:highlight>
-                  <a:srgbClr val="FFFFFF"/>
-                </a:highlight>
-                <a:latin typeface="Roboto"/>
-                <a:ea typeface="Roboto"/>
-                <a:cs typeface="Roboto"/>
-                <a:sym typeface="Roboto"/>
-              </a:rPr>
-              <a:t>impact of your project</a:t>
-            </a:r>
-            <a:endParaRPr>
-              <a:highlight>
-                <a:srgbClr val="FFFFFF"/>
-              </a:highlight>
-              <a:latin typeface="Roboto"/>
-              <a:ea typeface="Roboto"/>
-              <a:cs typeface="Roboto"/>
-              <a:sym typeface="Roboto"/>
-            </a:endParaRPr>
-          </a:p>
-          <a:p>
-            <a:pPr indent="0" lvl="0" marL="0" rtl="0">
-              <a:lnSpc>
-                <a:spcPct val="125000"/>
-              </a:lnSpc>
-              <a:spcBef>
-                <a:spcPts val="0"/>
-              </a:spcBef>
-              <a:spcAft>
-                <a:spcPts val="0"/>
-              </a:spcAft>
-              <a:buNone/>
-            </a:pPr>
-            <a:r>
-              <a:rPr b="1" lang="en">
-                <a:highlight>
-                  <a:srgbClr val="FFFFFF"/>
-                </a:highlight>
-                <a:latin typeface="Roboto"/>
-                <a:ea typeface="Roboto"/>
-                <a:cs typeface="Roboto"/>
-                <a:sym typeface="Roboto"/>
-              </a:rPr>
-              <a:t>Presentation</a:t>
-            </a:r>
-            <a:endParaRPr b="1">
-              <a:highlight>
-                <a:srgbClr val="FFFFFF"/>
-              </a:highlight>
-              <a:latin typeface="Roboto"/>
-              <a:ea typeface="Roboto"/>
-              <a:cs typeface="Roboto"/>
-              <a:sym typeface="Roboto"/>
-            </a:endParaRPr>
-          </a:p>
-          <a:p>
-            <a:pPr indent="0" lvl="0" marL="0" rtl="0">
-              <a:lnSpc>
-                <a:spcPct val="125000"/>
-              </a:lnSpc>
-              <a:spcBef>
-                <a:spcPts val="0"/>
-              </a:spcBef>
-              <a:spcAft>
-                <a:spcPts val="0"/>
-              </a:spcAft>
-              <a:buNone/>
-            </a:pPr>
-            <a:r>
-              <a:rPr lang="en">
-                <a:highlight>
-                  <a:srgbClr val="FFFFFF"/>
-                </a:highlight>
-                <a:latin typeface="Roboto"/>
-                <a:ea typeface="Roboto"/>
-                <a:cs typeface="Roboto"/>
-                <a:sym typeface="Roboto"/>
-              </a:rPr>
-              <a:t>production quality</a:t>
-            </a:r>
-            <a:endParaRPr>
-              <a:highlight>
-                <a:srgbClr val="FFFFFF"/>
-              </a:highlight>
-              <a:latin typeface="Roboto"/>
-              <a:ea typeface="Roboto"/>
-              <a:cs typeface="Roboto"/>
-              <a:sym typeface="Roboto"/>
-            </a:endParaRPr>
-          </a:p>
-          <a:p>
-            <a:pPr indent="0" lvl="0" marL="0" rtl="0">
-              <a:lnSpc>
-                <a:spcPct val="125000"/>
-              </a:lnSpc>
-              <a:spcBef>
-                <a:spcPts val="0"/>
-              </a:spcBef>
-              <a:spcAft>
-                <a:spcPts val="0"/>
-              </a:spcAft>
-              <a:buNone/>
-            </a:pPr>
-            <a:r>
-              <a:rPr lang="en">
-                <a:highlight>
-                  <a:srgbClr val="FFFFFF"/>
-                </a:highlight>
-                <a:latin typeface="Roboto"/>
-                <a:ea typeface="Roboto"/>
-                <a:cs typeface="Roboto"/>
-                <a:sym typeface="Roboto"/>
-              </a:rPr>
-              <a:t> </a:t>
-            </a:r>
-            <a:endParaRPr>
-              <a:highlight>
-                <a:srgbClr val="FFFFFF"/>
-              </a:highlight>
-              <a:latin typeface="Roboto"/>
-              <a:ea typeface="Roboto"/>
-              <a:cs typeface="Roboto"/>
-              <a:sym typeface="Roboto"/>
-            </a:endParaRPr>
-          </a:p>
-          <a:p>
-            <a:pPr indent="0" lvl="0" marL="0" rtl="0">
-              <a:lnSpc>
-                <a:spcPct val="125000"/>
-              </a:lnSpc>
-              <a:spcBef>
-                <a:spcPts val="0"/>
-              </a:spcBef>
-              <a:spcAft>
-                <a:spcPts val="0"/>
-              </a:spcAft>
-              <a:buNone/>
-            </a:pPr>
-            <a:r>
-              <a:rPr lang="en">
-                <a:highlight>
-                  <a:srgbClr val="FFFFFF"/>
-                </a:highlight>
-                <a:latin typeface="Roboto"/>
-                <a:ea typeface="Roboto"/>
-                <a:cs typeface="Roboto"/>
-                <a:sym typeface="Roboto"/>
-              </a:rPr>
-              <a:t>visual engagement</a:t>
-            </a:r>
-            <a:endParaRPr>
-              <a:highlight>
-                <a:srgbClr val="FFFFFF"/>
-              </a:highlight>
-              <a:latin typeface="Roboto"/>
-              <a:ea typeface="Roboto"/>
-              <a:cs typeface="Roboto"/>
-              <a:sym typeface="Roboto"/>
-            </a:endParaRPr>
-          </a:p>
-          <a:p>
             <a:pPr indent="0" lvl="0" marL="0">
               <a:spcBef>
                 <a:spcPts val="0"/>
@@ -1190,15 +822,15 @@
         </p:nvSpPr>
         <p:spPr>
           <a:xfrm>
-            <a:off x="729397" y="4381412"/>
-            <a:ext cx="19938300" cy="12078300"/>
+            <a:off x="1031755" y="3097431"/>
+            <a:ext cx="28203300" cy="8538600"/>
           </a:xfrm>
           <a:prstGeom prst="rect">
             <a:avLst/>
           </a:prstGeom>
         </p:spPr>
         <p:txBody>
-          <a:bodyPr anchorCtr="0" anchor="b" bIns="321925" lIns="321925" spcFirstLastPara="1" rIns="321925" wrap="square" tIns="321925"/>
+          <a:bodyPr anchorCtr="0" anchor="b" bIns="321950" lIns="321950" spcFirstLastPara="1" rIns="321950" wrap="square" tIns="321950"/>
           <a:lstStyle>
             <a:lvl1pPr lvl="0" algn="ctr">
               <a:spcBef>
@@ -1313,15 +945,15 @@
         </p:nvSpPr>
         <p:spPr>
           <a:xfrm>
-            <a:off x="729378" y="16677257"/>
-            <a:ext cx="19938300" cy="4664100"/>
+            <a:off x="1031727" y="11789954"/>
+            <a:ext cx="28203300" cy="3297300"/>
           </a:xfrm>
           <a:prstGeom prst="rect">
             <a:avLst/>
           </a:prstGeom>
         </p:spPr>
         <p:txBody>
-          <a:bodyPr anchorCtr="0" anchor="t" bIns="321925" lIns="321925" spcFirstLastPara="1" rIns="321925" wrap="square" tIns="321925"/>
+          <a:bodyPr anchorCtr="0" anchor="t" bIns="321950" lIns="321950" spcFirstLastPara="1" rIns="321950" wrap="square" tIns="321950"/>
           <a:lstStyle>
             <a:lvl1pPr lvl="0" algn="ctr">
               <a:lnSpc>
@@ -1463,15 +1095,15 @@
         </p:nvSpPr>
         <p:spPr>
           <a:xfrm>
-            <a:off x="19825542" y="27440449"/>
-            <a:ext cx="1283700" cy="2316300"/>
+            <a:off x="28043845" y="19398973"/>
+            <a:ext cx="1816200" cy="1637400"/>
           </a:xfrm>
           <a:prstGeom prst="rect">
             <a:avLst/>
           </a:prstGeom>
         </p:spPr>
         <p:txBody>
-          <a:bodyPr anchorCtr="0" anchor="ctr" bIns="321925" lIns="321925" spcFirstLastPara="1" rIns="321925" wrap="square" tIns="321925">
+          <a:bodyPr anchorCtr="0" anchor="ctr" bIns="321950" lIns="321950" spcFirstLastPara="1" rIns="321950" wrap="square" tIns="321950">
             <a:noAutofit/>
           </a:bodyPr>
           <a:lstStyle>
@@ -1565,15 +1197,15 @@
         </p:nvSpPr>
         <p:spPr>
           <a:xfrm>
-            <a:off x="729378" y="6508933"/>
-            <a:ext cx="19938300" cy="11554200"/>
+            <a:off x="1031727" y="4601478"/>
+            <a:ext cx="28203300" cy="8168100"/>
           </a:xfrm>
           <a:prstGeom prst="rect">
             <a:avLst/>
           </a:prstGeom>
         </p:spPr>
         <p:txBody>
-          <a:bodyPr anchorCtr="0" anchor="b" bIns="321925" lIns="321925" spcFirstLastPara="1" rIns="321925" wrap="square" tIns="321925"/>
+          <a:bodyPr anchorCtr="0" anchor="b" bIns="321950" lIns="321950" spcFirstLastPara="1" rIns="321950" wrap="square" tIns="321950"/>
           <a:lstStyle>
             <a:lvl1pPr lvl="0" algn="ctr">
               <a:spcBef>
@@ -1692,112 +1324,112 @@
         </p:nvSpPr>
         <p:spPr>
           <a:xfrm>
-            <a:off x="729378" y="18549099"/>
-            <a:ext cx="19938300" cy="7654500"/>
+            <a:off x="1031727" y="13113250"/>
+            <a:ext cx="28203300" cy="5411400"/>
           </a:xfrm>
           <a:prstGeom prst="rect">
             <a:avLst/>
           </a:prstGeom>
         </p:spPr>
         <p:txBody>
-          <a:bodyPr anchorCtr="0" anchor="t" bIns="321925" lIns="321925" spcFirstLastPara="1" rIns="321925" wrap="square" tIns="321925"/>
+          <a:bodyPr anchorCtr="0" anchor="t" bIns="321950" lIns="321950" spcFirstLastPara="1" rIns="321950" wrap="square" tIns="321950"/>
           <a:lstStyle>
-            <a:lvl1pPr indent="-635000" lvl="0" marL="457200" algn="ctr">
-              <a:spcBef>
-                <a:spcPts val="0"/>
-              </a:spcBef>
-              <a:spcAft>
-                <a:spcPts val="0"/>
-              </a:spcAft>
-              <a:buSzPts val="6400"/>
+            <a:lvl1pPr indent="-628650" lvl="0" marL="457200" algn="ctr">
+              <a:spcBef>
+                <a:spcPts val="0"/>
+              </a:spcBef>
+              <a:spcAft>
+                <a:spcPts val="0"/>
+              </a:spcAft>
+              <a:buSzPts val="6300"/>
               <a:buChar char="●"/>
               <a:defRPr/>
             </a:lvl1pPr>
-            <a:lvl2pPr indent="-546100" lvl="1" marL="914400" algn="ctr">
-              <a:spcBef>
-                <a:spcPts val="5700"/>
-              </a:spcBef>
-              <a:spcAft>
-                <a:spcPts val="0"/>
-              </a:spcAft>
-              <a:buSzPts val="5000"/>
+            <a:lvl2pPr indent="-539750" lvl="1" marL="914400" algn="ctr">
+              <a:spcBef>
+                <a:spcPts val="5600"/>
+              </a:spcBef>
+              <a:spcAft>
+                <a:spcPts val="0"/>
+              </a:spcAft>
+              <a:buSzPts val="4900"/>
               <a:buChar char="○"/>
               <a:defRPr/>
             </a:lvl2pPr>
-            <a:lvl3pPr indent="-546100" lvl="2" marL="1371600" algn="ctr">
-              <a:spcBef>
-                <a:spcPts val="5700"/>
-              </a:spcBef>
-              <a:spcAft>
-                <a:spcPts val="0"/>
-              </a:spcAft>
-              <a:buSzPts val="5000"/>
+            <a:lvl3pPr indent="-539750" lvl="2" marL="1371600" algn="ctr">
+              <a:spcBef>
+                <a:spcPts val="5600"/>
+              </a:spcBef>
+              <a:spcAft>
+                <a:spcPts val="0"/>
+              </a:spcAft>
+              <a:buSzPts val="4900"/>
               <a:buChar char="■"/>
               <a:defRPr/>
             </a:lvl3pPr>
-            <a:lvl4pPr indent="-546100" lvl="3" marL="1828800" algn="ctr">
-              <a:spcBef>
-                <a:spcPts val="5700"/>
-              </a:spcBef>
-              <a:spcAft>
-                <a:spcPts val="0"/>
-              </a:spcAft>
-              <a:buSzPts val="5000"/>
+            <a:lvl4pPr indent="-539750" lvl="3" marL="1828800" algn="ctr">
+              <a:spcBef>
+                <a:spcPts val="5600"/>
+              </a:spcBef>
+              <a:spcAft>
+                <a:spcPts val="0"/>
+              </a:spcAft>
+              <a:buSzPts val="4900"/>
               <a:buChar char="●"/>
               <a:defRPr/>
             </a:lvl4pPr>
-            <a:lvl5pPr indent="-546100" lvl="4" marL="2286000" algn="ctr">
-              <a:spcBef>
-                <a:spcPts val="5700"/>
-              </a:spcBef>
-              <a:spcAft>
-                <a:spcPts val="0"/>
-              </a:spcAft>
-              <a:buSzPts val="5000"/>
+            <a:lvl5pPr indent="-539750" lvl="4" marL="2286000" algn="ctr">
+              <a:spcBef>
+                <a:spcPts val="5600"/>
+              </a:spcBef>
+              <a:spcAft>
+                <a:spcPts val="0"/>
+              </a:spcAft>
+              <a:buSzPts val="4900"/>
               <a:buChar char="○"/>
               <a:defRPr/>
             </a:lvl5pPr>
-            <a:lvl6pPr indent="-546100" lvl="5" marL="2743200" algn="ctr">
-              <a:spcBef>
-                <a:spcPts val="5700"/>
-              </a:spcBef>
-              <a:spcAft>
-                <a:spcPts val="0"/>
-              </a:spcAft>
-              <a:buSzPts val="5000"/>
+            <a:lvl6pPr indent="-539750" lvl="5" marL="2743200" algn="ctr">
+              <a:spcBef>
+                <a:spcPts val="5600"/>
+              </a:spcBef>
+              <a:spcAft>
+                <a:spcPts val="0"/>
+              </a:spcAft>
+              <a:buSzPts val="4900"/>
               <a:buChar char="■"/>
               <a:defRPr/>
             </a:lvl6pPr>
-            <a:lvl7pPr indent="-546100" lvl="6" marL="3200400" algn="ctr">
-              <a:spcBef>
-                <a:spcPts val="5700"/>
-              </a:spcBef>
-              <a:spcAft>
-                <a:spcPts val="0"/>
-              </a:spcAft>
-              <a:buSzPts val="5000"/>
+            <a:lvl7pPr indent="-539750" lvl="6" marL="3200400" algn="ctr">
+              <a:spcBef>
+                <a:spcPts val="5600"/>
+              </a:spcBef>
+              <a:spcAft>
+                <a:spcPts val="0"/>
+              </a:spcAft>
+              <a:buSzPts val="4900"/>
               <a:buChar char="●"/>
               <a:defRPr/>
             </a:lvl7pPr>
-            <a:lvl8pPr indent="-546100" lvl="7" marL="3657600" algn="ctr">
-              <a:spcBef>
-                <a:spcPts val="5700"/>
-              </a:spcBef>
-              <a:spcAft>
-                <a:spcPts val="0"/>
-              </a:spcAft>
-              <a:buSzPts val="5000"/>
+            <a:lvl8pPr indent="-539750" lvl="7" marL="3657600" algn="ctr">
+              <a:spcBef>
+                <a:spcPts val="5600"/>
+              </a:spcBef>
+              <a:spcAft>
+                <a:spcPts val="0"/>
+              </a:spcAft>
+              <a:buSzPts val="4900"/>
               <a:buChar char="○"/>
               <a:defRPr/>
             </a:lvl8pPr>
-            <a:lvl9pPr indent="-546100" lvl="8" marL="4114800" algn="ctr">
-              <a:spcBef>
-                <a:spcPts val="5700"/>
-              </a:spcBef>
-              <a:spcAft>
-                <a:spcPts val="5700"/>
-              </a:spcAft>
-              <a:buSzPts val="5000"/>
+            <a:lvl9pPr indent="-539750" lvl="8" marL="4114800" algn="ctr">
+              <a:spcBef>
+                <a:spcPts val="5600"/>
+              </a:spcBef>
+              <a:spcAft>
+                <a:spcPts val="5600"/>
+              </a:spcAft>
+              <a:buSzPts val="4900"/>
               <a:buChar char="■"/>
               <a:defRPr/>
             </a:lvl9pPr>
@@ -1815,15 +1447,15 @@
         </p:nvSpPr>
         <p:spPr>
           <a:xfrm>
-            <a:off x="19825542" y="27440449"/>
-            <a:ext cx="1283700" cy="2316300"/>
+            <a:off x="28043845" y="19398973"/>
+            <a:ext cx="1816200" cy="1637400"/>
           </a:xfrm>
           <a:prstGeom prst="rect">
             <a:avLst/>
           </a:prstGeom>
         </p:spPr>
         <p:txBody>
-          <a:bodyPr anchorCtr="0" anchor="ctr" bIns="321925" lIns="321925" spcFirstLastPara="1" rIns="321925" wrap="square" tIns="321925">
+          <a:bodyPr anchorCtr="0" anchor="ctr" bIns="321950" lIns="321950" spcFirstLastPara="1" rIns="321950" wrap="square" tIns="321950">
             <a:noAutofit/>
           </a:bodyPr>
           <a:lstStyle>
@@ -1917,15 +1549,15 @@
         </p:nvSpPr>
         <p:spPr>
           <a:xfrm>
-            <a:off x="19825542" y="27440449"/>
-            <a:ext cx="1283700" cy="2316300"/>
+            <a:off x="28043845" y="19398973"/>
+            <a:ext cx="1816200" cy="1637400"/>
           </a:xfrm>
           <a:prstGeom prst="rect">
             <a:avLst/>
           </a:prstGeom>
         </p:spPr>
         <p:txBody>
-          <a:bodyPr anchorCtr="0" anchor="ctr" bIns="321925" lIns="321925" spcFirstLastPara="1" rIns="321925" wrap="square" tIns="321925">
+          <a:bodyPr anchorCtr="0" anchor="ctr" bIns="321950" lIns="321950" spcFirstLastPara="1" rIns="321950" wrap="square" tIns="321950">
             <a:noAutofit/>
           </a:bodyPr>
           <a:lstStyle>
@@ -2019,15 +1651,15 @@
         </p:nvSpPr>
         <p:spPr>
           <a:xfrm>
-            <a:off x="729378" y="12656562"/>
-            <a:ext cx="19938300" cy="4953600"/>
+            <a:off x="1031727" y="8947532"/>
+            <a:ext cx="28203300" cy="3501900"/>
           </a:xfrm>
           <a:prstGeom prst="rect">
             <a:avLst/>
           </a:prstGeom>
         </p:spPr>
         <p:txBody>
-          <a:bodyPr anchorCtr="0" anchor="ctr" bIns="321925" lIns="321925" spcFirstLastPara="1" rIns="321925" wrap="square" tIns="321925"/>
+          <a:bodyPr anchorCtr="0" anchor="ctr" bIns="321950" lIns="321950" spcFirstLastPara="1" rIns="321950" wrap="square" tIns="321950"/>
           <a:lstStyle>
             <a:lvl1pPr lvl="0" algn="ctr">
               <a:spcBef>
@@ -2142,15 +1774,15 @@
         </p:nvSpPr>
         <p:spPr>
           <a:xfrm>
-            <a:off x="19825542" y="27440449"/>
-            <a:ext cx="1283700" cy="2316300"/>
+            <a:off x="28043845" y="19398973"/>
+            <a:ext cx="1816200" cy="1637400"/>
           </a:xfrm>
           <a:prstGeom prst="rect">
             <a:avLst/>
           </a:prstGeom>
         </p:spPr>
         <p:txBody>
-          <a:bodyPr anchorCtr="0" anchor="ctr" bIns="321925" lIns="321925" spcFirstLastPara="1" rIns="321925" wrap="square" tIns="321925">
+          <a:bodyPr anchorCtr="0" anchor="ctr" bIns="321950" lIns="321950" spcFirstLastPara="1" rIns="321950" wrap="square" tIns="321950">
             <a:noAutofit/>
           </a:bodyPr>
           <a:lstStyle>
@@ -2244,15 +1876,15 @@
         </p:nvSpPr>
         <p:spPr>
           <a:xfrm>
-            <a:off x="729378" y="2618726"/>
-            <a:ext cx="19938300" cy="3370200"/>
+            <a:off x="1031727" y="1851303"/>
+            <a:ext cx="28203300" cy="2382300"/>
           </a:xfrm>
           <a:prstGeom prst="rect">
             <a:avLst/>
           </a:prstGeom>
         </p:spPr>
         <p:txBody>
-          <a:bodyPr anchorCtr="0" anchor="t" bIns="321925" lIns="321925" spcFirstLastPara="1" rIns="321925" wrap="square" tIns="321925"/>
+          <a:bodyPr anchorCtr="0" anchor="t" bIns="321950" lIns="321950" spcFirstLastPara="1" rIns="321950" wrap="square" tIns="321950"/>
           <a:lstStyle>
             <a:lvl1pPr lvl="0">
               <a:spcBef>
@@ -2367,112 +1999,112 @@
         </p:nvSpPr>
         <p:spPr>
           <a:xfrm>
-            <a:off x="729378" y="6781677"/>
-            <a:ext cx="19938300" cy="20103600"/>
+            <a:off x="1031727" y="4794294"/>
+            <a:ext cx="28203300" cy="14212200"/>
           </a:xfrm>
           <a:prstGeom prst="rect">
             <a:avLst/>
           </a:prstGeom>
         </p:spPr>
         <p:txBody>
-          <a:bodyPr anchorCtr="0" anchor="t" bIns="321925" lIns="321925" spcFirstLastPara="1" rIns="321925" wrap="square" tIns="321925"/>
+          <a:bodyPr anchorCtr="0" anchor="t" bIns="321950" lIns="321950" spcFirstLastPara="1" rIns="321950" wrap="square" tIns="321950"/>
           <a:lstStyle>
-            <a:lvl1pPr indent="-635000" lvl="0" marL="457200">
-              <a:spcBef>
-                <a:spcPts val="0"/>
-              </a:spcBef>
-              <a:spcAft>
-                <a:spcPts val="0"/>
-              </a:spcAft>
-              <a:buSzPts val="6400"/>
+            <a:lvl1pPr indent="-628650" lvl="0" marL="457200">
+              <a:spcBef>
+                <a:spcPts val="0"/>
+              </a:spcBef>
+              <a:spcAft>
+                <a:spcPts val="0"/>
+              </a:spcAft>
+              <a:buSzPts val="6300"/>
               <a:buChar char="●"/>
               <a:defRPr/>
             </a:lvl1pPr>
-            <a:lvl2pPr indent="-546100" lvl="1" marL="914400">
-              <a:spcBef>
-                <a:spcPts val="5700"/>
-              </a:spcBef>
-              <a:spcAft>
-                <a:spcPts val="0"/>
-              </a:spcAft>
-              <a:buSzPts val="5000"/>
+            <a:lvl2pPr indent="-539750" lvl="1" marL="914400">
+              <a:spcBef>
+                <a:spcPts val="5600"/>
+              </a:spcBef>
+              <a:spcAft>
+                <a:spcPts val="0"/>
+              </a:spcAft>
+              <a:buSzPts val="4900"/>
               <a:buChar char="○"/>
               <a:defRPr/>
             </a:lvl2pPr>
-            <a:lvl3pPr indent="-546100" lvl="2" marL="1371600">
-              <a:spcBef>
-                <a:spcPts val="5700"/>
-              </a:spcBef>
-              <a:spcAft>
-                <a:spcPts val="0"/>
-              </a:spcAft>
-              <a:buSzPts val="5000"/>
+            <a:lvl3pPr indent="-539750" lvl="2" marL="1371600">
+              <a:spcBef>
+                <a:spcPts val="5600"/>
+              </a:spcBef>
+              <a:spcAft>
+                <a:spcPts val="0"/>
+              </a:spcAft>
+              <a:buSzPts val="4900"/>
               <a:buChar char="■"/>
               <a:defRPr/>
             </a:lvl3pPr>
-            <a:lvl4pPr indent="-546100" lvl="3" marL="1828800">
-              <a:spcBef>
-                <a:spcPts val="5700"/>
-              </a:spcBef>
-              <a:spcAft>
-                <a:spcPts val="0"/>
-              </a:spcAft>
-              <a:buSzPts val="5000"/>
+            <a:lvl4pPr indent="-539750" lvl="3" marL="1828800">
+              <a:spcBef>
+                <a:spcPts val="5600"/>
+              </a:spcBef>
+              <a:spcAft>
+                <a:spcPts val="0"/>
+              </a:spcAft>
+              <a:buSzPts val="4900"/>
               <a:buChar char="●"/>
               <a:defRPr/>
             </a:lvl4pPr>
-            <a:lvl5pPr indent="-546100" lvl="4" marL="2286000">
-              <a:spcBef>
-                <a:spcPts val="5700"/>
-              </a:spcBef>
-              <a:spcAft>
-                <a:spcPts val="0"/>
-              </a:spcAft>
-              <a:buSzPts val="5000"/>
+            <a:lvl5pPr indent="-539750" lvl="4" marL="2286000">
+              <a:spcBef>
+                <a:spcPts val="5600"/>
+              </a:spcBef>
+              <a:spcAft>
+                <a:spcPts val="0"/>
+              </a:spcAft>
+              <a:buSzPts val="4900"/>
               <a:buChar char="○"/>
               <a:defRPr/>
             </a:lvl5pPr>
-            <a:lvl6pPr indent="-546100" lvl="5" marL="2743200">
-              <a:spcBef>
-                <a:spcPts val="5700"/>
-              </a:spcBef>
-              <a:spcAft>
-                <a:spcPts val="0"/>
-              </a:spcAft>
-              <a:buSzPts val="5000"/>
+            <a:lvl6pPr indent="-539750" lvl="5" marL="2743200">
+              <a:spcBef>
+                <a:spcPts val="5600"/>
+              </a:spcBef>
+              <a:spcAft>
+                <a:spcPts val="0"/>
+              </a:spcAft>
+              <a:buSzPts val="4900"/>
               <a:buChar char="■"/>
               <a:defRPr/>
             </a:lvl6pPr>
-            <a:lvl7pPr indent="-546100" lvl="6" marL="3200400">
-              <a:spcBef>
-                <a:spcPts val="5700"/>
-              </a:spcBef>
-              <a:spcAft>
-                <a:spcPts val="0"/>
-              </a:spcAft>
-              <a:buSzPts val="5000"/>
+            <a:lvl7pPr indent="-539750" lvl="6" marL="3200400">
+              <a:spcBef>
+                <a:spcPts val="5600"/>
+              </a:spcBef>
+              <a:spcAft>
+                <a:spcPts val="0"/>
+              </a:spcAft>
+              <a:buSzPts val="4900"/>
               <a:buChar char="●"/>
               <a:defRPr/>
             </a:lvl7pPr>
-            <a:lvl8pPr indent="-546100" lvl="7" marL="3657600">
-              <a:spcBef>
-                <a:spcPts val="5700"/>
-              </a:spcBef>
-              <a:spcAft>
-                <a:spcPts val="0"/>
-              </a:spcAft>
-              <a:buSzPts val="5000"/>
+            <a:lvl8pPr indent="-539750" lvl="7" marL="3657600">
+              <a:spcBef>
+                <a:spcPts val="5600"/>
+              </a:spcBef>
+              <a:spcAft>
+                <a:spcPts val="0"/>
+              </a:spcAft>
+              <a:buSzPts val="4900"/>
               <a:buChar char="○"/>
               <a:defRPr/>
             </a:lvl8pPr>
-            <a:lvl9pPr indent="-546100" lvl="8" marL="4114800">
-              <a:spcBef>
-                <a:spcPts val="5700"/>
-              </a:spcBef>
-              <a:spcAft>
-                <a:spcPts val="5700"/>
-              </a:spcAft>
-              <a:buSzPts val="5000"/>
+            <a:lvl9pPr indent="-539750" lvl="8" marL="4114800">
+              <a:spcBef>
+                <a:spcPts val="5600"/>
+              </a:spcBef>
+              <a:spcAft>
+                <a:spcPts val="5600"/>
+              </a:spcAft>
+              <a:buSzPts val="4900"/>
               <a:buChar char="■"/>
               <a:defRPr/>
             </a:lvl9pPr>
@@ -2490,15 +2122,15 @@
         </p:nvSpPr>
         <p:spPr>
           <a:xfrm>
-            <a:off x="19825542" y="27440449"/>
-            <a:ext cx="1283700" cy="2316300"/>
+            <a:off x="28043845" y="19398973"/>
+            <a:ext cx="1816200" cy="1637400"/>
           </a:xfrm>
           <a:prstGeom prst="rect">
             <a:avLst/>
           </a:prstGeom>
         </p:spPr>
         <p:txBody>
-          <a:bodyPr anchorCtr="0" anchor="ctr" bIns="321925" lIns="321925" spcFirstLastPara="1" rIns="321925" wrap="square" tIns="321925">
+          <a:bodyPr anchorCtr="0" anchor="ctr" bIns="321950" lIns="321950" spcFirstLastPara="1" rIns="321950" wrap="square" tIns="321950">
             <a:noAutofit/>
           </a:bodyPr>
           <a:lstStyle>
@@ -2592,15 +2224,15 @@
         </p:nvSpPr>
         <p:spPr>
           <a:xfrm>
-            <a:off x="729378" y="2618726"/>
-            <a:ext cx="19938300" cy="3370200"/>
+            <a:off x="1031727" y="1851303"/>
+            <a:ext cx="28203300" cy="2382300"/>
           </a:xfrm>
           <a:prstGeom prst="rect">
             <a:avLst/>
           </a:prstGeom>
         </p:spPr>
         <p:txBody>
-          <a:bodyPr anchorCtr="0" anchor="t" bIns="321925" lIns="321925" spcFirstLastPara="1" rIns="321925" wrap="square" tIns="321925"/>
+          <a:bodyPr anchorCtr="0" anchor="t" bIns="321950" lIns="321950" spcFirstLastPara="1" rIns="321950" wrap="square" tIns="321950"/>
           <a:lstStyle>
             <a:lvl1pPr lvl="0">
               <a:spcBef>
@@ -2715,30 +2347,30 @@
         </p:nvSpPr>
         <p:spPr>
           <a:xfrm>
-            <a:off x="729378" y="6781677"/>
-            <a:ext cx="9360000" cy="20103600"/>
+            <a:off x="1031727" y="4794294"/>
+            <a:ext cx="13239600" cy="14212200"/>
           </a:xfrm>
           <a:prstGeom prst="rect">
             <a:avLst/>
           </a:prstGeom>
         </p:spPr>
         <p:txBody>
-          <a:bodyPr anchorCtr="0" anchor="t" bIns="321925" lIns="321925" spcFirstLastPara="1" rIns="321925" wrap="square" tIns="321925"/>
+          <a:bodyPr anchorCtr="0" anchor="t" bIns="321950" lIns="321950" spcFirstLastPara="1" rIns="321950" wrap="square" tIns="321950"/>
           <a:lstStyle>
-            <a:lvl1pPr indent="-546100" lvl="0" marL="457200">
-              <a:spcBef>
-                <a:spcPts val="0"/>
-              </a:spcBef>
-              <a:spcAft>
-                <a:spcPts val="0"/>
-              </a:spcAft>
-              <a:buSzPts val="5000"/>
+            <a:lvl1pPr indent="-539750" lvl="0" marL="457200">
+              <a:spcBef>
+                <a:spcPts val="0"/>
+              </a:spcBef>
+              <a:spcAft>
+                <a:spcPts val="0"/>
+              </a:spcAft>
+              <a:buSzPts val="4900"/>
               <a:buChar char="●"/>
-              <a:defRPr sz="5000"/>
+              <a:defRPr sz="4900"/>
             </a:lvl1pPr>
             <a:lvl2pPr indent="-495300" lvl="1" marL="914400">
               <a:spcBef>
-                <a:spcPts val="5700"/>
+                <a:spcPts val="5600"/>
               </a:spcBef>
               <a:spcAft>
                 <a:spcPts val="0"/>
@@ -2749,7 +2381,7 @@
             </a:lvl2pPr>
             <a:lvl3pPr indent="-495300" lvl="2" marL="1371600">
               <a:spcBef>
-                <a:spcPts val="5700"/>
+                <a:spcPts val="5600"/>
               </a:spcBef>
               <a:spcAft>
                 <a:spcPts val="0"/>
@@ -2760,7 +2392,7 @@
             </a:lvl3pPr>
             <a:lvl4pPr indent="-495300" lvl="3" marL="1828800">
               <a:spcBef>
-                <a:spcPts val="5700"/>
+                <a:spcPts val="5600"/>
               </a:spcBef>
               <a:spcAft>
                 <a:spcPts val="0"/>
@@ -2771,7 +2403,7 @@
             </a:lvl4pPr>
             <a:lvl5pPr indent="-495300" lvl="4" marL="2286000">
               <a:spcBef>
-                <a:spcPts val="5700"/>
+                <a:spcPts val="5600"/>
               </a:spcBef>
               <a:spcAft>
                 <a:spcPts val="0"/>
@@ -2782,7 +2414,7 @@
             </a:lvl5pPr>
             <a:lvl6pPr indent="-495300" lvl="5" marL="2743200">
               <a:spcBef>
-                <a:spcPts val="5700"/>
+                <a:spcPts val="5600"/>
               </a:spcBef>
               <a:spcAft>
                 <a:spcPts val="0"/>
@@ -2793,7 +2425,7 @@
             </a:lvl6pPr>
             <a:lvl7pPr indent="-495300" lvl="6" marL="3200400">
               <a:spcBef>
-                <a:spcPts val="5700"/>
+                <a:spcPts val="5600"/>
               </a:spcBef>
               <a:spcAft>
                 <a:spcPts val="0"/>
@@ -2804,7 +2436,7 @@
             </a:lvl7pPr>
             <a:lvl8pPr indent="-495300" lvl="7" marL="3657600">
               <a:spcBef>
-                <a:spcPts val="5700"/>
+                <a:spcPts val="5600"/>
               </a:spcBef>
               <a:spcAft>
                 <a:spcPts val="0"/>
@@ -2815,10 +2447,10 @@
             </a:lvl8pPr>
             <a:lvl9pPr indent="-495300" lvl="8" marL="4114800">
               <a:spcBef>
-                <a:spcPts val="5700"/>
-              </a:spcBef>
-              <a:spcAft>
-                <a:spcPts val="5700"/>
+                <a:spcPts val="5600"/>
+              </a:spcBef>
+              <a:spcAft>
+                <a:spcPts val="5600"/>
               </a:spcAft>
               <a:buSzPts val="4200"/>
               <a:buChar char="■"/>
@@ -2838,30 +2470,30 @@
         </p:nvSpPr>
         <p:spPr>
           <a:xfrm>
-            <a:off x="11307811" y="6781677"/>
-            <a:ext cx="9360000" cy="20103600"/>
+            <a:off x="15995249" y="4794294"/>
+            <a:ext cx="13239600" cy="14212200"/>
           </a:xfrm>
           <a:prstGeom prst="rect">
             <a:avLst/>
           </a:prstGeom>
         </p:spPr>
         <p:txBody>
-          <a:bodyPr anchorCtr="0" anchor="t" bIns="321925" lIns="321925" spcFirstLastPara="1" rIns="321925" wrap="square" tIns="321925"/>
+          <a:bodyPr anchorCtr="0" anchor="t" bIns="321950" lIns="321950" spcFirstLastPara="1" rIns="321950" wrap="square" tIns="321950"/>
           <a:lstStyle>
-            <a:lvl1pPr indent="-546100" lvl="0" marL="457200">
-              <a:spcBef>
-                <a:spcPts val="0"/>
-              </a:spcBef>
-              <a:spcAft>
-                <a:spcPts val="0"/>
-              </a:spcAft>
-              <a:buSzPts val="5000"/>
+            <a:lvl1pPr indent="-539750" lvl="0" marL="457200">
+              <a:spcBef>
+                <a:spcPts val="0"/>
+              </a:spcBef>
+              <a:spcAft>
+                <a:spcPts val="0"/>
+              </a:spcAft>
+              <a:buSzPts val="4900"/>
               <a:buChar char="●"/>
-              <a:defRPr sz="5000"/>
+              <a:defRPr sz="4900"/>
             </a:lvl1pPr>
             <a:lvl2pPr indent="-495300" lvl="1" marL="914400">
               <a:spcBef>
-                <a:spcPts val="5700"/>
+                <a:spcPts val="5600"/>
               </a:spcBef>
               <a:spcAft>
                 <a:spcPts val="0"/>
@@ -2872,7 +2504,7 @@
             </a:lvl2pPr>
             <a:lvl3pPr indent="-495300" lvl="2" marL="1371600">
               <a:spcBef>
-                <a:spcPts val="5700"/>
+                <a:spcPts val="5600"/>
               </a:spcBef>
               <a:spcAft>
                 <a:spcPts val="0"/>
@@ -2883,7 +2515,7 @@
             </a:lvl3pPr>
             <a:lvl4pPr indent="-495300" lvl="3" marL="1828800">
               <a:spcBef>
-                <a:spcPts val="5700"/>
+                <a:spcPts val="5600"/>
               </a:spcBef>
               <a:spcAft>
                 <a:spcPts val="0"/>
@@ -2894,7 +2526,7 @@
             </a:lvl4pPr>
             <a:lvl5pPr indent="-495300" lvl="4" marL="2286000">
               <a:spcBef>
-                <a:spcPts val="5700"/>
+                <a:spcPts val="5600"/>
               </a:spcBef>
               <a:spcAft>
                 <a:spcPts val="0"/>
@@ -2905,7 +2537,7 @@
             </a:lvl5pPr>
             <a:lvl6pPr indent="-495300" lvl="5" marL="2743200">
               <a:spcBef>
-                <a:spcPts val="5700"/>
+                <a:spcPts val="5600"/>
               </a:spcBef>
               <a:spcAft>
                 <a:spcPts val="0"/>
@@ -2916,7 +2548,7 @@
             </a:lvl6pPr>
             <a:lvl7pPr indent="-495300" lvl="6" marL="3200400">
               <a:spcBef>
-                <a:spcPts val="5700"/>
+                <a:spcPts val="5600"/>
               </a:spcBef>
               <a:spcAft>
                 <a:spcPts val="0"/>
@@ -2927,7 +2559,7 @@
             </a:lvl7pPr>
             <a:lvl8pPr indent="-495300" lvl="7" marL="3657600">
               <a:spcBef>
-                <a:spcPts val="5700"/>
+                <a:spcPts val="5600"/>
               </a:spcBef>
               <a:spcAft>
                 <a:spcPts val="0"/>
@@ -2938,10 +2570,10 @@
             </a:lvl8pPr>
             <a:lvl9pPr indent="-495300" lvl="8" marL="4114800">
               <a:spcBef>
-                <a:spcPts val="5700"/>
-              </a:spcBef>
-              <a:spcAft>
-                <a:spcPts val="5700"/>
+                <a:spcPts val="5600"/>
+              </a:spcBef>
+              <a:spcAft>
+                <a:spcPts val="5600"/>
               </a:spcAft>
               <a:buSzPts val="4200"/>
               <a:buChar char="■"/>
@@ -2961,15 +2593,15 @@
         </p:nvSpPr>
         <p:spPr>
           <a:xfrm>
-            <a:off x="19825542" y="27440449"/>
-            <a:ext cx="1283700" cy="2316300"/>
+            <a:off x="28043845" y="19398973"/>
+            <a:ext cx="1816200" cy="1637400"/>
           </a:xfrm>
           <a:prstGeom prst="rect">
             <a:avLst/>
           </a:prstGeom>
         </p:spPr>
         <p:txBody>
-          <a:bodyPr anchorCtr="0" anchor="ctr" bIns="321925" lIns="321925" spcFirstLastPara="1" rIns="321925" wrap="square" tIns="321925">
+          <a:bodyPr anchorCtr="0" anchor="ctr" bIns="321950" lIns="321950" spcFirstLastPara="1" rIns="321950" wrap="square" tIns="321950">
             <a:noAutofit/>
           </a:bodyPr>
           <a:lstStyle>
@@ -3063,15 +2695,15 @@
         </p:nvSpPr>
         <p:spPr>
           <a:xfrm>
-            <a:off x="729378" y="2618726"/>
-            <a:ext cx="19938300" cy="3370200"/>
+            <a:off x="1031727" y="1851303"/>
+            <a:ext cx="28203300" cy="2382300"/>
           </a:xfrm>
           <a:prstGeom prst="rect">
             <a:avLst/>
           </a:prstGeom>
         </p:spPr>
         <p:txBody>
-          <a:bodyPr anchorCtr="0" anchor="t" bIns="321925" lIns="321925" spcFirstLastPara="1" rIns="321925" wrap="square" tIns="321925"/>
+          <a:bodyPr anchorCtr="0" anchor="t" bIns="321950" lIns="321950" spcFirstLastPara="1" rIns="321950" wrap="square" tIns="321950"/>
           <a:lstStyle>
             <a:lvl1pPr lvl="0">
               <a:spcBef>
@@ -3186,15 +2818,15 @@
         </p:nvSpPr>
         <p:spPr>
           <a:xfrm>
-            <a:off x="19825542" y="27440449"/>
-            <a:ext cx="1283700" cy="2316300"/>
+            <a:off x="28043845" y="19398973"/>
+            <a:ext cx="1816200" cy="1637400"/>
           </a:xfrm>
           <a:prstGeom prst="rect">
             <a:avLst/>
           </a:prstGeom>
         </p:spPr>
         <p:txBody>
-          <a:bodyPr anchorCtr="0" anchor="ctr" bIns="321925" lIns="321925" spcFirstLastPara="1" rIns="321925" wrap="square" tIns="321925">
+          <a:bodyPr anchorCtr="0" anchor="ctr" bIns="321950" lIns="321950" spcFirstLastPara="1" rIns="321950" wrap="square" tIns="321950">
             <a:noAutofit/>
           </a:bodyPr>
           <a:lstStyle>
@@ -3288,15 +2920,15 @@
         </p:nvSpPr>
         <p:spPr>
           <a:xfrm>
-            <a:off x="729378" y="3269398"/>
-            <a:ext cx="6570600" cy="4446900"/>
+            <a:off x="1031727" y="2311295"/>
+            <a:ext cx="9294300" cy="3143700"/>
           </a:xfrm>
           <a:prstGeom prst="rect">
             <a:avLst/>
           </a:prstGeom>
         </p:spPr>
         <p:txBody>
-          <a:bodyPr anchorCtr="0" anchor="b" bIns="321925" lIns="321925" spcFirstLastPara="1" rIns="321925" wrap="square" tIns="321925"/>
+          <a:bodyPr anchorCtr="0" anchor="b" bIns="321950" lIns="321950" spcFirstLastPara="1" rIns="321950" wrap="square" tIns="321950"/>
           <a:lstStyle>
             <a:lvl1pPr lvl="0">
               <a:spcBef>
@@ -3411,15 +3043,15 @@
         </p:nvSpPr>
         <p:spPr>
           <a:xfrm>
-            <a:off x="729378" y="8177027"/>
-            <a:ext cx="6570600" cy="18708900"/>
+            <a:off x="1031727" y="5780733"/>
+            <a:ext cx="9294300" cy="13226100"/>
           </a:xfrm>
           <a:prstGeom prst="rect">
             <a:avLst/>
           </a:prstGeom>
         </p:spPr>
         <p:txBody>
-          <a:bodyPr anchorCtr="0" anchor="t" bIns="321925" lIns="321925" spcFirstLastPara="1" rIns="321925" wrap="square" tIns="321925"/>
+          <a:bodyPr anchorCtr="0" anchor="t" bIns="321950" lIns="321950" spcFirstLastPara="1" rIns="321950" wrap="square" tIns="321950"/>
           <a:lstStyle>
             <a:lvl1pPr indent="-495300" lvl="0" marL="457200">
               <a:spcBef>
@@ -3434,7 +3066,7 @@
             </a:lvl1pPr>
             <a:lvl2pPr indent="-495300" lvl="1" marL="914400">
               <a:spcBef>
-                <a:spcPts val="5700"/>
+                <a:spcPts val="5600"/>
               </a:spcBef>
               <a:spcAft>
                 <a:spcPts val="0"/>
@@ -3445,7 +3077,7 @@
             </a:lvl2pPr>
             <a:lvl3pPr indent="-495300" lvl="2" marL="1371600">
               <a:spcBef>
-                <a:spcPts val="5700"/>
+                <a:spcPts val="5600"/>
               </a:spcBef>
               <a:spcAft>
                 <a:spcPts val="0"/>
@@ -3456,7 +3088,7 @@
             </a:lvl3pPr>
             <a:lvl4pPr indent="-495300" lvl="3" marL="1828800">
               <a:spcBef>
-                <a:spcPts val="5700"/>
+                <a:spcPts val="5600"/>
               </a:spcBef>
               <a:spcAft>
                 <a:spcPts val="0"/>
@@ -3467,7 +3099,7 @@
             </a:lvl4pPr>
             <a:lvl5pPr indent="-495300" lvl="4" marL="2286000">
               <a:spcBef>
-                <a:spcPts val="5700"/>
+                <a:spcPts val="5600"/>
               </a:spcBef>
               <a:spcAft>
                 <a:spcPts val="0"/>
@@ -3478,7 +3110,7 @@
             </a:lvl5pPr>
             <a:lvl6pPr indent="-495300" lvl="5" marL="2743200">
               <a:spcBef>
-                <a:spcPts val="5700"/>
+                <a:spcPts val="5600"/>
               </a:spcBef>
               <a:spcAft>
                 <a:spcPts val="0"/>
@@ -3489,7 +3121,7 @@
             </a:lvl6pPr>
             <a:lvl7pPr indent="-495300" lvl="6" marL="3200400">
               <a:spcBef>
-                <a:spcPts val="5700"/>
+                <a:spcPts val="5600"/>
               </a:spcBef>
               <a:spcAft>
                 <a:spcPts val="0"/>
@@ -3500,7 +3132,7 @@
             </a:lvl7pPr>
             <a:lvl8pPr indent="-495300" lvl="7" marL="3657600">
               <a:spcBef>
-                <a:spcPts val="5700"/>
+                <a:spcPts val="5600"/>
               </a:spcBef>
               <a:spcAft>
                 <a:spcPts val="0"/>
@@ -3511,10 +3143,10 @@
             </a:lvl8pPr>
             <a:lvl9pPr indent="-495300" lvl="8" marL="4114800">
               <a:spcBef>
-                <a:spcPts val="5700"/>
-              </a:spcBef>
-              <a:spcAft>
-                <a:spcPts val="5700"/>
+                <a:spcPts val="5600"/>
+              </a:spcBef>
+              <a:spcAft>
+                <a:spcPts val="5600"/>
               </a:spcAft>
               <a:buSzPts val="4200"/>
               <a:buChar char="■"/>
@@ -3534,15 +3166,15 @@
         </p:nvSpPr>
         <p:spPr>
           <a:xfrm>
-            <a:off x="19825542" y="27440449"/>
-            <a:ext cx="1283700" cy="2316300"/>
+            <a:off x="28043845" y="19398973"/>
+            <a:ext cx="1816200" cy="1637400"/>
           </a:xfrm>
           <a:prstGeom prst="rect">
             <a:avLst/>
           </a:prstGeom>
         </p:spPr>
         <p:txBody>
-          <a:bodyPr anchorCtr="0" anchor="ctr" bIns="321925" lIns="321925" spcFirstLastPara="1" rIns="321925" wrap="square" tIns="321925">
+          <a:bodyPr anchorCtr="0" anchor="ctr" bIns="321950" lIns="321950" spcFirstLastPara="1" rIns="321950" wrap="square" tIns="321950">
             <a:noAutofit/>
           </a:bodyPr>
           <a:lstStyle>
@@ -3636,15 +3268,15 @@
         </p:nvSpPr>
         <p:spPr>
           <a:xfrm>
-            <a:off x="1147184" y="2648884"/>
-            <a:ext cx="14900700" cy="24072000"/>
+            <a:off x="1622728" y="1872623"/>
+            <a:ext cx="21077400" cy="17017800"/>
           </a:xfrm>
           <a:prstGeom prst="rect">
             <a:avLst/>
           </a:prstGeom>
         </p:spPr>
         <p:txBody>
-          <a:bodyPr anchorCtr="0" anchor="ctr" bIns="321925" lIns="321925" spcFirstLastPara="1" rIns="321925" wrap="square" tIns="321925"/>
+          <a:bodyPr anchorCtr="0" anchor="ctr" bIns="321950" lIns="321950" spcFirstLastPara="1" rIns="321950" wrap="square" tIns="321950"/>
           <a:lstStyle>
             <a:lvl1pPr lvl="0">
               <a:spcBef>
@@ -3653,9 +3285,9 @@
               <a:spcAft>
                 <a:spcPts val="0"/>
               </a:spcAft>
-              <a:buSzPts val="16800"/>
-              <a:buNone/>
-              <a:defRPr sz="16800"/>
+              <a:buSzPts val="16900"/>
+              <a:buNone/>
+              <a:defRPr sz="16900"/>
             </a:lvl1pPr>
             <a:lvl2pPr lvl="1">
               <a:spcBef>
@@ -3664,9 +3296,9 @@
               <a:spcAft>
                 <a:spcPts val="0"/>
               </a:spcAft>
-              <a:buSzPts val="16800"/>
-              <a:buNone/>
-              <a:defRPr sz="16800"/>
+              <a:buSzPts val="16900"/>
+              <a:buNone/>
+              <a:defRPr sz="16900"/>
             </a:lvl2pPr>
             <a:lvl3pPr lvl="2">
               <a:spcBef>
@@ -3675,9 +3307,9 @@
               <a:spcAft>
                 <a:spcPts val="0"/>
               </a:spcAft>
-              <a:buSzPts val="16800"/>
-              <a:buNone/>
-              <a:defRPr sz="16800"/>
+              <a:buSzPts val="16900"/>
+              <a:buNone/>
+              <a:defRPr sz="16900"/>
             </a:lvl3pPr>
             <a:lvl4pPr lvl="3">
               <a:spcBef>
@@ -3686,9 +3318,9 @@
               <a:spcAft>
                 <a:spcPts val="0"/>
               </a:spcAft>
-              <a:buSzPts val="16800"/>
-              <a:buNone/>
-              <a:defRPr sz="16800"/>
+              <a:buSzPts val="16900"/>
+              <a:buNone/>
+              <a:defRPr sz="16900"/>
             </a:lvl4pPr>
             <a:lvl5pPr lvl="4">
               <a:spcBef>
@@ -3697,9 +3329,9 @@
               <a:spcAft>
                 <a:spcPts val="0"/>
               </a:spcAft>
-              <a:buSzPts val="16800"/>
-              <a:buNone/>
-              <a:defRPr sz="16800"/>
+              <a:buSzPts val="16900"/>
+              <a:buNone/>
+              <a:defRPr sz="16900"/>
             </a:lvl5pPr>
             <a:lvl6pPr lvl="5">
               <a:spcBef>
@@ -3708,9 +3340,9 @@
               <a:spcAft>
                 <a:spcPts val="0"/>
               </a:spcAft>
-              <a:buSzPts val="16800"/>
-              <a:buNone/>
-              <a:defRPr sz="16800"/>
+              <a:buSzPts val="16900"/>
+              <a:buNone/>
+              <a:defRPr sz="16900"/>
             </a:lvl6pPr>
             <a:lvl7pPr lvl="6">
               <a:spcBef>
@@ -3719,9 +3351,9 @@
               <a:spcAft>
                 <a:spcPts val="0"/>
               </a:spcAft>
-              <a:buSzPts val="16800"/>
-              <a:buNone/>
-              <a:defRPr sz="16800"/>
+              <a:buSzPts val="16900"/>
+              <a:buNone/>
+              <a:defRPr sz="16900"/>
             </a:lvl7pPr>
             <a:lvl8pPr lvl="7">
               <a:spcBef>
@@ -3730,9 +3362,9 @@
               <a:spcAft>
                 <a:spcPts val="0"/>
               </a:spcAft>
-              <a:buSzPts val="16800"/>
-              <a:buNone/>
-              <a:defRPr sz="16800"/>
+              <a:buSzPts val="16900"/>
+              <a:buNone/>
+              <a:defRPr sz="16900"/>
             </a:lvl8pPr>
             <a:lvl9pPr lvl="8">
               <a:spcBef>
@@ -3741,9 +3373,9 @@
               <a:spcAft>
                 <a:spcPts val="0"/>
               </a:spcAft>
-              <a:buSzPts val="16800"/>
-              <a:buNone/>
-              <a:defRPr sz="16800"/>
+              <a:buSzPts val="16900"/>
+              <a:buNone/>
+              <a:defRPr sz="16900"/>
             </a:lvl9pPr>
           </a:lstStyle>
           <a:p/>
@@ -3759,15 +3391,15 @@
         </p:nvSpPr>
         <p:spPr>
           <a:xfrm>
-            <a:off x="19825542" y="27440449"/>
-            <a:ext cx="1283700" cy="2316300"/>
+            <a:off x="28043845" y="19398973"/>
+            <a:ext cx="1816200" cy="1637400"/>
           </a:xfrm>
           <a:prstGeom prst="rect">
             <a:avLst/>
           </a:prstGeom>
         </p:spPr>
         <p:txBody>
-          <a:bodyPr anchorCtr="0" anchor="ctr" bIns="321925" lIns="321925" spcFirstLastPara="1" rIns="321925" wrap="square" tIns="321925">
+          <a:bodyPr anchorCtr="0" anchor="ctr" bIns="321950" lIns="321950" spcFirstLastPara="1" rIns="321950" wrap="square" tIns="321950">
             <a:noAutofit/>
           </a:bodyPr>
           <a:lstStyle>
@@ -3859,8 +3491,8 @@
         </p:nvSpPr>
         <p:spPr>
           <a:xfrm>
-            <a:off x="10698475" y="-736"/>
-            <a:ext cx="10698600" cy="30266700"/>
+            <a:off x="15133325" y="-520"/>
+            <a:ext cx="15133500" cy="21396900"/>
           </a:xfrm>
           <a:prstGeom prst="rect">
             <a:avLst/>
@@ -3873,7 +3505,7 @@
           </a:ln>
         </p:spPr>
         <p:txBody>
-          <a:bodyPr anchorCtr="0" anchor="ctr" bIns="321925" lIns="321925" spcFirstLastPara="1" rIns="321925" wrap="square" tIns="321925">
+          <a:bodyPr anchorCtr="0" anchor="ctr" bIns="321950" lIns="321950" spcFirstLastPara="1" rIns="321950" wrap="square" tIns="321950">
             <a:noAutofit/>
           </a:bodyPr>
           <a:lstStyle/>
@@ -3904,15 +3536,15 @@
         </p:nvSpPr>
         <p:spPr>
           <a:xfrm>
-            <a:off x="621270" y="7256552"/>
-            <a:ext cx="9465600" cy="8722500"/>
+            <a:off x="878805" y="5130006"/>
+            <a:ext cx="13389900" cy="6166500"/>
           </a:xfrm>
           <a:prstGeom prst="rect">
             <a:avLst/>
           </a:prstGeom>
         </p:spPr>
         <p:txBody>
-          <a:bodyPr anchorCtr="0" anchor="b" bIns="321925" lIns="321925" spcFirstLastPara="1" rIns="321925" wrap="square" tIns="321925"/>
+          <a:bodyPr anchorCtr="0" anchor="b" bIns="321950" lIns="321950" spcFirstLastPara="1" rIns="321950" wrap="square" tIns="321950"/>
           <a:lstStyle>
             <a:lvl1pPr lvl="0" algn="ctr">
               <a:spcBef>
@@ -3921,9 +3553,9 @@
               <a:spcAft>
                 <a:spcPts val="0"/>
               </a:spcAft>
-              <a:buSzPts val="14900"/>
-              <a:buNone/>
-              <a:defRPr sz="14900"/>
+              <a:buSzPts val="14800"/>
+              <a:buNone/>
+              <a:defRPr sz="14800"/>
             </a:lvl1pPr>
             <a:lvl2pPr lvl="1" algn="ctr">
               <a:spcBef>
@@ -3932,9 +3564,9 @@
               <a:spcAft>
                 <a:spcPts val="0"/>
               </a:spcAft>
-              <a:buSzPts val="14900"/>
-              <a:buNone/>
-              <a:defRPr sz="14900"/>
+              <a:buSzPts val="14800"/>
+              <a:buNone/>
+              <a:defRPr sz="14800"/>
             </a:lvl2pPr>
             <a:lvl3pPr lvl="2" algn="ctr">
               <a:spcBef>
@@ -3943,9 +3575,9 @@
               <a:spcAft>
                 <a:spcPts val="0"/>
               </a:spcAft>
-              <a:buSzPts val="14900"/>
-              <a:buNone/>
-              <a:defRPr sz="14900"/>
+              <a:buSzPts val="14800"/>
+              <a:buNone/>
+              <a:defRPr sz="14800"/>
             </a:lvl3pPr>
             <a:lvl4pPr lvl="3" algn="ctr">
               <a:spcBef>
@@ -3954,9 +3586,9 @@
               <a:spcAft>
                 <a:spcPts val="0"/>
               </a:spcAft>
-              <a:buSzPts val="14900"/>
-              <a:buNone/>
-              <a:defRPr sz="14900"/>
+              <a:buSzPts val="14800"/>
+              <a:buNone/>
+              <a:defRPr sz="14800"/>
             </a:lvl4pPr>
             <a:lvl5pPr lvl="4" algn="ctr">
               <a:spcBef>
@@ -3965,9 +3597,9 @@
               <a:spcAft>
                 <a:spcPts val="0"/>
               </a:spcAft>
-              <a:buSzPts val="14900"/>
-              <a:buNone/>
-              <a:defRPr sz="14900"/>
+              <a:buSzPts val="14800"/>
+              <a:buNone/>
+              <a:defRPr sz="14800"/>
             </a:lvl5pPr>
             <a:lvl6pPr lvl="5" algn="ctr">
               <a:spcBef>
@@ -3976,9 +3608,9 @@
               <a:spcAft>
                 <a:spcPts val="0"/>
               </a:spcAft>
-              <a:buSzPts val="14900"/>
-              <a:buNone/>
-              <a:defRPr sz="14900"/>
+              <a:buSzPts val="14800"/>
+              <a:buNone/>
+              <a:defRPr sz="14800"/>
             </a:lvl6pPr>
             <a:lvl7pPr lvl="6" algn="ctr">
               <a:spcBef>
@@ -3987,9 +3619,9 @@
               <a:spcAft>
                 <a:spcPts val="0"/>
               </a:spcAft>
-              <a:buSzPts val="14900"/>
-              <a:buNone/>
-              <a:defRPr sz="14900"/>
+              <a:buSzPts val="14800"/>
+              <a:buNone/>
+              <a:defRPr sz="14800"/>
             </a:lvl7pPr>
             <a:lvl8pPr lvl="7" algn="ctr">
               <a:spcBef>
@@ -3998,9 +3630,9 @@
               <a:spcAft>
                 <a:spcPts val="0"/>
               </a:spcAft>
-              <a:buSzPts val="14900"/>
-              <a:buNone/>
-              <a:defRPr sz="14900"/>
+              <a:buSzPts val="14800"/>
+              <a:buNone/>
+              <a:defRPr sz="14800"/>
             </a:lvl8pPr>
             <a:lvl9pPr lvl="8" algn="ctr">
               <a:spcBef>
@@ -4009,9 +3641,9 @@
               <a:spcAft>
                 <a:spcPts val="0"/>
               </a:spcAft>
-              <a:buSzPts val="14900"/>
-              <a:buNone/>
-              <a:defRPr sz="14900"/>
+              <a:buSzPts val="14800"/>
+              <a:buNone/>
+              <a:defRPr sz="14800"/>
             </a:lvl9pPr>
           </a:lstStyle>
           <a:p/>
@@ -4027,15 +3659,15 @@
         </p:nvSpPr>
         <p:spPr>
           <a:xfrm>
-            <a:off x="621270" y="16494545"/>
-            <a:ext cx="9465600" cy="7267800"/>
+            <a:off x="878805" y="11660787"/>
+            <a:ext cx="13389900" cy="5138100"/>
           </a:xfrm>
           <a:prstGeom prst="rect">
             <a:avLst/>
           </a:prstGeom>
         </p:spPr>
         <p:txBody>
-          <a:bodyPr anchorCtr="0" anchor="t" bIns="321925" lIns="321925" spcFirstLastPara="1" rIns="321925" wrap="square" tIns="321925"/>
+          <a:bodyPr anchorCtr="0" anchor="t" bIns="321950" lIns="321950" spcFirstLastPara="1" rIns="321950" wrap="square" tIns="321950"/>
           <a:lstStyle>
             <a:lvl1pPr lvl="0" algn="ctr">
               <a:lnSpc>
@@ -4177,112 +3809,112 @@
         </p:nvSpPr>
         <p:spPr>
           <a:xfrm>
-            <a:off x="11558425" y="4260781"/>
-            <a:ext cx="8978700" cy="21743700"/>
+            <a:off x="16349750" y="3012151"/>
+            <a:ext cx="12700500" cy="15371700"/>
           </a:xfrm>
           <a:prstGeom prst="rect">
             <a:avLst/>
           </a:prstGeom>
         </p:spPr>
         <p:txBody>
-          <a:bodyPr anchorCtr="0" anchor="ctr" bIns="321925" lIns="321925" spcFirstLastPara="1" rIns="321925" wrap="square" tIns="321925"/>
+          <a:bodyPr anchorCtr="0" anchor="ctr" bIns="321950" lIns="321950" spcFirstLastPara="1" rIns="321950" wrap="square" tIns="321950"/>
           <a:lstStyle>
-            <a:lvl1pPr indent="-635000" lvl="0" marL="457200">
-              <a:spcBef>
-                <a:spcPts val="0"/>
-              </a:spcBef>
-              <a:spcAft>
-                <a:spcPts val="0"/>
-              </a:spcAft>
-              <a:buSzPts val="6400"/>
+            <a:lvl1pPr indent="-628650" lvl="0" marL="457200">
+              <a:spcBef>
+                <a:spcPts val="0"/>
+              </a:spcBef>
+              <a:spcAft>
+                <a:spcPts val="0"/>
+              </a:spcAft>
+              <a:buSzPts val="6300"/>
               <a:buChar char="●"/>
               <a:defRPr/>
             </a:lvl1pPr>
-            <a:lvl2pPr indent="-546100" lvl="1" marL="914400">
-              <a:spcBef>
-                <a:spcPts val="5700"/>
-              </a:spcBef>
-              <a:spcAft>
-                <a:spcPts val="0"/>
-              </a:spcAft>
-              <a:buSzPts val="5000"/>
+            <a:lvl2pPr indent="-539750" lvl="1" marL="914400">
+              <a:spcBef>
+                <a:spcPts val="5600"/>
+              </a:spcBef>
+              <a:spcAft>
+                <a:spcPts val="0"/>
+              </a:spcAft>
+              <a:buSzPts val="4900"/>
               <a:buChar char="○"/>
               <a:defRPr/>
             </a:lvl2pPr>
-            <a:lvl3pPr indent="-546100" lvl="2" marL="1371600">
-              <a:spcBef>
-                <a:spcPts val="5700"/>
-              </a:spcBef>
-              <a:spcAft>
-                <a:spcPts val="0"/>
-              </a:spcAft>
-              <a:buSzPts val="5000"/>
+            <a:lvl3pPr indent="-539750" lvl="2" marL="1371600">
+              <a:spcBef>
+                <a:spcPts val="5600"/>
+              </a:spcBef>
+              <a:spcAft>
+                <a:spcPts val="0"/>
+              </a:spcAft>
+              <a:buSzPts val="4900"/>
               <a:buChar char="■"/>
               <a:defRPr/>
             </a:lvl3pPr>
-            <a:lvl4pPr indent="-546100" lvl="3" marL="1828800">
-              <a:spcBef>
-                <a:spcPts val="5700"/>
-              </a:spcBef>
-              <a:spcAft>
-                <a:spcPts val="0"/>
-              </a:spcAft>
-              <a:buSzPts val="5000"/>
+            <a:lvl4pPr indent="-539750" lvl="3" marL="1828800">
+              <a:spcBef>
+                <a:spcPts val="5600"/>
+              </a:spcBef>
+              <a:spcAft>
+                <a:spcPts val="0"/>
+              </a:spcAft>
+              <a:buSzPts val="4900"/>
               <a:buChar char="●"/>
               <a:defRPr/>
             </a:lvl4pPr>
-            <a:lvl5pPr indent="-546100" lvl="4" marL="2286000">
-              <a:spcBef>
-                <a:spcPts val="5700"/>
-              </a:spcBef>
-              <a:spcAft>
-                <a:spcPts val="0"/>
-              </a:spcAft>
-              <a:buSzPts val="5000"/>
+            <a:lvl5pPr indent="-539750" lvl="4" marL="2286000">
+              <a:spcBef>
+                <a:spcPts val="5600"/>
+              </a:spcBef>
+              <a:spcAft>
+                <a:spcPts val="0"/>
+              </a:spcAft>
+              <a:buSzPts val="4900"/>
               <a:buChar char="○"/>
               <a:defRPr/>
             </a:lvl5pPr>
-            <a:lvl6pPr indent="-546100" lvl="5" marL="2743200">
-              <a:spcBef>
-                <a:spcPts val="5700"/>
-              </a:spcBef>
-              <a:spcAft>
-                <a:spcPts val="0"/>
-              </a:spcAft>
-              <a:buSzPts val="5000"/>
+            <a:lvl6pPr indent="-539750" lvl="5" marL="2743200">
+              <a:spcBef>
+                <a:spcPts val="5600"/>
+              </a:spcBef>
+              <a:spcAft>
+                <a:spcPts val="0"/>
+              </a:spcAft>
+              <a:buSzPts val="4900"/>
               <a:buChar char="■"/>
               <a:defRPr/>
             </a:lvl6pPr>
-            <a:lvl7pPr indent="-546100" lvl="6" marL="3200400">
-              <a:spcBef>
-                <a:spcPts val="5700"/>
-              </a:spcBef>
-              <a:spcAft>
-                <a:spcPts val="0"/>
-              </a:spcAft>
-              <a:buSzPts val="5000"/>
+            <a:lvl7pPr indent="-539750" lvl="6" marL="3200400">
+              <a:spcBef>
+                <a:spcPts val="5600"/>
+              </a:spcBef>
+              <a:spcAft>
+                <a:spcPts val="0"/>
+              </a:spcAft>
+              <a:buSzPts val="4900"/>
               <a:buChar char="●"/>
               <a:defRPr/>
             </a:lvl7pPr>
-            <a:lvl8pPr indent="-546100" lvl="7" marL="3657600">
-              <a:spcBef>
-                <a:spcPts val="5700"/>
-              </a:spcBef>
-              <a:spcAft>
-                <a:spcPts val="0"/>
-              </a:spcAft>
-              <a:buSzPts val="5000"/>
+            <a:lvl8pPr indent="-539750" lvl="7" marL="3657600">
+              <a:spcBef>
+                <a:spcPts val="5600"/>
+              </a:spcBef>
+              <a:spcAft>
+                <a:spcPts val="0"/>
+              </a:spcAft>
+              <a:buSzPts val="4900"/>
               <a:buChar char="○"/>
               <a:defRPr/>
             </a:lvl8pPr>
-            <a:lvl9pPr indent="-546100" lvl="8" marL="4114800">
-              <a:spcBef>
-                <a:spcPts val="5700"/>
-              </a:spcBef>
-              <a:spcAft>
-                <a:spcPts val="5700"/>
-              </a:spcAft>
-              <a:buSzPts val="5000"/>
+            <a:lvl9pPr indent="-539750" lvl="8" marL="4114800">
+              <a:spcBef>
+                <a:spcPts val="5600"/>
+              </a:spcBef>
+              <a:spcAft>
+                <a:spcPts val="5600"/>
+              </a:spcAft>
+              <a:buSzPts val="4900"/>
               <a:buChar char="■"/>
               <a:defRPr/>
             </a:lvl9pPr>
@@ -4300,15 +3932,15 @@
         </p:nvSpPr>
         <p:spPr>
           <a:xfrm>
-            <a:off x="19825542" y="27440449"/>
-            <a:ext cx="1283700" cy="2316300"/>
+            <a:off x="28043845" y="19398973"/>
+            <a:ext cx="1816200" cy="1637400"/>
           </a:xfrm>
           <a:prstGeom prst="rect">
             <a:avLst/>
           </a:prstGeom>
         </p:spPr>
         <p:txBody>
-          <a:bodyPr anchorCtr="0" anchor="ctr" bIns="321925" lIns="321925" spcFirstLastPara="1" rIns="321925" wrap="square" tIns="321925">
+          <a:bodyPr anchorCtr="0" anchor="ctr" bIns="321950" lIns="321950" spcFirstLastPara="1" rIns="321950" wrap="square" tIns="321950">
             <a:noAutofit/>
           </a:bodyPr>
           <a:lstStyle>
@@ -4402,15 +4034,15 @@
         </p:nvSpPr>
         <p:spPr>
           <a:xfrm>
-            <a:off x="729378" y="24894592"/>
-            <a:ext cx="14037000" cy="3560700"/>
+            <a:off x="1031727" y="17599184"/>
+            <a:ext cx="19856100" cy="2517300"/>
           </a:xfrm>
           <a:prstGeom prst="rect">
             <a:avLst/>
           </a:prstGeom>
         </p:spPr>
         <p:txBody>
-          <a:bodyPr anchorCtr="0" anchor="ctr" bIns="321925" lIns="321925" spcFirstLastPara="1" rIns="321925" wrap="square" tIns="321925"/>
+          <a:bodyPr anchorCtr="0" anchor="ctr" bIns="321950" lIns="321950" spcFirstLastPara="1" rIns="321950" wrap="square" tIns="321950"/>
           <a:lstStyle>
             <a:lvl1pPr indent="-228600" lvl="0" marL="457200">
               <a:lnSpc>
@@ -4422,7 +4054,7 @@
               <a:spcAft>
                 <a:spcPts val="0"/>
               </a:spcAft>
-              <a:buSzPts val="6400"/>
+              <a:buSzPts val="6300"/>
               <a:buNone/>
               <a:defRPr/>
             </a:lvl1pPr>
@@ -4440,15 +4072,15 @@
         </p:nvSpPr>
         <p:spPr>
           <a:xfrm>
-            <a:off x="19825542" y="27440449"/>
-            <a:ext cx="1283700" cy="2316300"/>
+            <a:off x="28043845" y="19398973"/>
+            <a:ext cx="1816200" cy="1637400"/>
           </a:xfrm>
           <a:prstGeom prst="rect">
             <a:avLst/>
           </a:prstGeom>
         </p:spPr>
         <p:txBody>
-          <a:bodyPr anchorCtr="0" anchor="ctr" bIns="321925" lIns="321925" spcFirstLastPara="1" rIns="321925" wrap="square" tIns="321925">
+          <a:bodyPr anchorCtr="0" anchor="ctr" bIns="321950" lIns="321950" spcFirstLastPara="1" rIns="321950" wrap="square" tIns="321950">
             <a:noAutofit/>
           </a:bodyPr>
           <a:lstStyle>
@@ -4549,8 +4181,8 @@
         </p:nvSpPr>
         <p:spPr>
           <a:xfrm>
-            <a:off x="729378" y="2618726"/>
-            <a:ext cx="19938300" cy="3370200"/>
+            <a:off x="1031727" y="1851303"/>
+            <a:ext cx="28203300" cy="2382300"/>
           </a:xfrm>
           <a:prstGeom prst="rect">
             <a:avLst/>
@@ -4561,7 +4193,7 @@
           </a:ln>
         </p:spPr>
         <p:txBody>
-          <a:bodyPr anchorCtr="0" anchor="t" bIns="321925" lIns="321925" spcFirstLastPara="1" rIns="321925" wrap="square" tIns="321925"/>
+          <a:bodyPr anchorCtr="0" anchor="t" bIns="321950" lIns="321950" spcFirstLastPara="1" rIns="321950" wrap="square" tIns="321950"/>
           <a:lstStyle>
             <a:lvl1pPr lvl="0">
               <a:spcBef>
@@ -4739,8 +4371,8 @@
         </p:nvSpPr>
         <p:spPr>
           <a:xfrm>
-            <a:off x="729378" y="6781677"/>
-            <a:ext cx="19938300" cy="20103600"/>
+            <a:off x="1031727" y="4794294"/>
+            <a:ext cx="28203300" cy="14212200"/>
           </a:xfrm>
           <a:prstGeom prst="rect">
             <a:avLst/>
@@ -4751,9 +4383,9 @@
           </a:ln>
         </p:spPr>
         <p:txBody>
-          <a:bodyPr anchorCtr="0" anchor="t" bIns="321925" lIns="321925" spcFirstLastPara="1" rIns="321925" wrap="square" tIns="321925"/>
+          <a:bodyPr anchorCtr="0" anchor="t" bIns="321950" lIns="321950" spcFirstLastPara="1" rIns="321950" wrap="square" tIns="321950"/>
           <a:lstStyle>
-            <a:lvl1pPr indent="-635000" lvl="0" marL="457200">
+            <a:lvl1pPr indent="-628650" lvl="0" marL="457200">
               <a:lnSpc>
                 <a:spcPct val="115000"/>
               </a:lnSpc>
@@ -4766,20 +4398,20 @@
               <a:buClr>
                 <a:schemeClr val="dk2"/>
               </a:buClr>
-              <a:buSzPts val="6400"/>
+              <a:buSzPts val="6300"/>
               <a:buChar char="●"/>
-              <a:defRPr sz="6400">
+              <a:defRPr sz="6300">
                 <a:solidFill>
                   <a:schemeClr val="dk2"/>
                 </a:solidFill>
               </a:defRPr>
             </a:lvl1pPr>
-            <a:lvl2pPr indent="-546100" lvl="1" marL="914400">
+            <a:lvl2pPr indent="-539750" lvl="1" marL="914400">
               <a:lnSpc>
                 <a:spcPct val="115000"/>
               </a:lnSpc>
               <a:spcBef>
-                <a:spcPts val="5700"/>
+                <a:spcPts val="5600"/>
               </a:spcBef>
               <a:spcAft>
                 <a:spcPts val="0"/>
@@ -4787,20 +4419,20 @@
               <a:buClr>
                 <a:schemeClr val="dk2"/>
               </a:buClr>
-              <a:buSzPts val="5000"/>
+              <a:buSzPts val="4900"/>
               <a:buChar char="○"/>
-              <a:defRPr sz="5000">
+              <a:defRPr sz="4900">
                 <a:solidFill>
                   <a:schemeClr val="dk2"/>
                 </a:solidFill>
               </a:defRPr>
             </a:lvl2pPr>
-            <a:lvl3pPr indent="-546100" lvl="2" marL="1371600">
+            <a:lvl3pPr indent="-539750" lvl="2" marL="1371600">
               <a:lnSpc>
                 <a:spcPct val="115000"/>
               </a:lnSpc>
               <a:spcBef>
-                <a:spcPts val="5700"/>
+                <a:spcPts val="5600"/>
               </a:spcBef>
               <a:spcAft>
                 <a:spcPts val="0"/>
@@ -4808,20 +4440,20 @@
               <a:buClr>
                 <a:schemeClr val="dk2"/>
               </a:buClr>
-              <a:buSzPts val="5000"/>
+              <a:buSzPts val="4900"/>
               <a:buChar char="■"/>
-              <a:defRPr sz="5000">
+              <a:defRPr sz="4900">
                 <a:solidFill>
                   <a:schemeClr val="dk2"/>
                 </a:solidFill>
               </a:defRPr>
             </a:lvl3pPr>
-            <a:lvl4pPr indent="-546100" lvl="3" marL="1828800">
+            <a:lvl4pPr indent="-539750" lvl="3" marL="1828800">
               <a:lnSpc>
                 <a:spcPct val="115000"/>
               </a:lnSpc>
               <a:spcBef>
-                <a:spcPts val="5700"/>
+                <a:spcPts val="5600"/>
               </a:spcBef>
               <a:spcAft>
                 <a:spcPts val="0"/>
@@ -4829,20 +4461,20 @@
               <a:buClr>
                 <a:schemeClr val="dk2"/>
               </a:buClr>
-              <a:buSzPts val="5000"/>
+              <a:buSzPts val="4900"/>
               <a:buChar char="●"/>
-              <a:defRPr sz="5000">
+              <a:defRPr sz="4900">
                 <a:solidFill>
                   <a:schemeClr val="dk2"/>
                 </a:solidFill>
               </a:defRPr>
             </a:lvl4pPr>
-            <a:lvl5pPr indent="-546100" lvl="4" marL="2286000">
+            <a:lvl5pPr indent="-539750" lvl="4" marL="2286000">
               <a:lnSpc>
                 <a:spcPct val="115000"/>
               </a:lnSpc>
               <a:spcBef>
-                <a:spcPts val="5700"/>
+                <a:spcPts val="5600"/>
               </a:spcBef>
               <a:spcAft>
                 <a:spcPts val="0"/>
@@ -4850,20 +4482,20 @@
               <a:buClr>
                 <a:schemeClr val="dk2"/>
               </a:buClr>
-              <a:buSzPts val="5000"/>
+              <a:buSzPts val="4900"/>
               <a:buChar char="○"/>
-              <a:defRPr sz="5000">
+              <a:defRPr sz="4900">
                 <a:solidFill>
                   <a:schemeClr val="dk2"/>
                 </a:solidFill>
               </a:defRPr>
             </a:lvl5pPr>
-            <a:lvl6pPr indent="-546100" lvl="5" marL="2743200">
+            <a:lvl6pPr indent="-539750" lvl="5" marL="2743200">
               <a:lnSpc>
                 <a:spcPct val="115000"/>
               </a:lnSpc>
               <a:spcBef>
-                <a:spcPts val="5700"/>
+                <a:spcPts val="5600"/>
               </a:spcBef>
               <a:spcAft>
                 <a:spcPts val="0"/>
@@ -4871,20 +4503,20 @@
               <a:buClr>
                 <a:schemeClr val="dk2"/>
               </a:buClr>
-              <a:buSzPts val="5000"/>
+              <a:buSzPts val="4900"/>
               <a:buChar char="■"/>
-              <a:defRPr sz="5000">
+              <a:defRPr sz="4900">
                 <a:solidFill>
                   <a:schemeClr val="dk2"/>
                 </a:solidFill>
               </a:defRPr>
             </a:lvl6pPr>
-            <a:lvl7pPr indent="-546100" lvl="6" marL="3200400">
+            <a:lvl7pPr indent="-539750" lvl="6" marL="3200400">
               <a:lnSpc>
                 <a:spcPct val="115000"/>
               </a:lnSpc>
               <a:spcBef>
-                <a:spcPts val="5700"/>
+                <a:spcPts val="5600"/>
               </a:spcBef>
               <a:spcAft>
                 <a:spcPts val="0"/>
@@ -4892,20 +4524,20 @@
               <a:buClr>
                 <a:schemeClr val="dk2"/>
               </a:buClr>
-              <a:buSzPts val="5000"/>
+              <a:buSzPts val="4900"/>
               <a:buChar char="●"/>
-              <a:defRPr sz="5000">
+              <a:defRPr sz="4900">
                 <a:solidFill>
                   <a:schemeClr val="dk2"/>
                 </a:solidFill>
               </a:defRPr>
             </a:lvl7pPr>
-            <a:lvl8pPr indent="-546100" lvl="7" marL="3657600">
+            <a:lvl8pPr indent="-539750" lvl="7" marL="3657600">
               <a:lnSpc>
                 <a:spcPct val="115000"/>
               </a:lnSpc>
               <a:spcBef>
-                <a:spcPts val="5700"/>
+                <a:spcPts val="5600"/>
               </a:spcBef>
               <a:spcAft>
                 <a:spcPts val="0"/>
@@ -4913,30 +4545,30 @@
               <a:buClr>
                 <a:schemeClr val="dk2"/>
               </a:buClr>
-              <a:buSzPts val="5000"/>
+              <a:buSzPts val="4900"/>
               <a:buChar char="○"/>
-              <a:defRPr sz="5000">
+              <a:defRPr sz="4900">
                 <a:solidFill>
                   <a:schemeClr val="dk2"/>
                 </a:solidFill>
               </a:defRPr>
             </a:lvl8pPr>
-            <a:lvl9pPr indent="-546100" lvl="8" marL="4114800">
+            <a:lvl9pPr indent="-539750" lvl="8" marL="4114800">
               <a:lnSpc>
                 <a:spcPct val="115000"/>
               </a:lnSpc>
               <a:spcBef>
-                <a:spcPts val="5700"/>
-              </a:spcBef>
-              <a:spcAft>
-                <a:spcPts val="5700"/>
+                <a:spcPts val="5600"/>
+              </a:spcBef>
+              <a:spcAft>
+                <a:spcPts val="5600"/>
               </a:spcAft>
               <a:buClr>
                 <a:schemeClr val="dk2"/>
               </a:buClr>
-              <a:buSzPts val="5000"/>
+              <a:buSzPts val="4900"/>
               <a:buChar char="■"/>
-              <a:defRPr sz="5000">
+              <a:defRPr sz="4900">
                 <a:solidFill>
                   <a:schemeClr val="dk2"/>
                 </a:solidFill>
@@ -4956,8 +4588,8 @@
         </p:nvSpPr>
         <p:spPr>
           <a:xfrm>
-            <a:off x="19825542" y="27440449"/>
-            <a:ext cx="1283700" cy="2316300"/>
+            <a:off x="28043845" y="19398973"/>
+            <a:ext cx="1816200" cy="1637400"/>
           </a:xfrm>
           <a:prstGeom prst="rect">
             <a:avLst/>
@@ -4968,7 +4600,7 @@
           </a:ln>
         </p:spPr>
         <p:txBody>
-          <a:bodyPr anchorCtr="0" anchor="ctr" bIns="321925" lIns="321925" spcFirstLastPara="1" rIns="321925" wrap="square" tIns="321925">
+          <a:bodyPr anchorCtr="0" anchor="ctr" bIns="321950" lIns="321950" spcFirstLastPara="1" rIns="321950" wrap="square" tIns="321950">
             <a:noAutofit/>
           </a:bodyPr>
           <a:lstStyle>
@@ -5801,22 +5433,51 @@
           <a:chExt cx="0" cy="0"/>
         </a:xfrm>
       </p:grpSpPr>
-      <p:sp>
-        <p:nvSpPr>
+      <p:pic>
+        <p:nvPicPr>
           <p:cNvPr id="54" name="Shape 54"/>
-          <p:cNvSpPr txBox="1"/>
-          <p:nvPr>
-            <p:ph type="ctrTitle"/>
-          </p:nvPr>
-        </p:nvSpPr>
+          <p:cNvPicPr preferRelativeResize="0"/>
+          <p:nvPr/>
+        </p:nvPicPr>
+        <p:blipFill rotWithShape="1">
+          <a:blip r:embed="rId4">
+            <a:alphaModFix/>
+          </a:blip>
+          <a:srcRect b="4852" l="16703" r="22558" t="0"/>
+          <a:stretch/>
+        </p:blipFill>
         <p:spPr>
           <a:xfrm>
-            <a:off x="-840575" y="-2082"/>
-            <a:ext cx="23078100" cy="2627400"/>
+            <a:off x="11298688" y="7809475"/>
+            <a:ext cx="7403775" cy="6833800"/>
           </a:xfrm>
           <a:prstGeom prst="rect">
             <a:avLst/>
           </a:prstGeom>
+          <a:noFill/>
+          <a:ln>
+            <a:noFill/>
+          </a:ln>
+        </p:spPr>
+      </p:pic>
+      <p:sp>
+        <p:nvSpPr>
+          <p:cNvPr id="55" name="Shape 55"/>
+          <p:cNvSpPr txBox="1"/>
+          <p:nvPr/>
+        </p:nvSpPr>
+        <p:spPr>
+          <a:xfrm>
+            <a:off x="-252475" y="76200"/>
+            <a:ext cx="30506100" cy="2627400"/>
+          </a:xfrm>
+          <a:prstGeom prst="rect">
+            <a:avLst/>
+          </a:prstGeom>
+          <a:noFill/>
+          <a:ln>
+            <a:noFill/>
+          </a:ln>
         </p:spPr>
         <p:txBody>
           <a:bodyPr anchorCtr="0" anchor="b" bIns="321925" lIns="321925" spcFirstLastPara="1" rIns="321925" wrap="square" tIns="321925">
@@ -5824,7 +5485,7 @@
           </a:bodyPr>
           <a:lstStyle/>
           <a:p>
-            <a:pPr indent="0" lvl="0" marL="0">
+            <a:pPr indent="0" lvl="0" marL="0" rtl="0" algn="ctr">
               <a:spcBef>
                 <a:spcPts val="0"/>
               </a:spcBef>
@@ -5835,325 +5496,62 @@
             </a:pPr>
             <a:r>
               <a:rPr lang="en" sz="10500">
-                <a:latin typeface="Gloria Hallelujah"/>
-                <a:ea typeface="Gloria Hallelujah"/>
-                <a:cs typeface="Gloria Hallelujah"/>
-                <a:sym typeface="Gloria Hallelujah"/>
+                <a:solidFill>
+                  <a:srgbClr val="FFFFFF"/>
+                </a:solidFill>
+                <a:latin typeface="Comfortaa"/>
+                <a:ea typeface="Comfortaa"/>
+                <a:cs typeface="Comfortaa"/>
+                <a:sym typeface="Comfortaa"/>
               </a:rPr>
-              <a:t>Tracking on an Offshore Oil Rig </a:t>
+              <a:t>Asset </a:t>
+            </a:r>
+            <a:r>
+              <a:rPr lang="en" sz="10500">
+                <a:solidFill>
+                  <a:srgbClr val="FFFFFF"/>
+                </a:solidFill>
+                <a:latin typeface="Comfortaa"/>
+                <a:ea typeface="Comfortaa"/>
+                <a:cs typeface="Comfortaa"/>
+                <a:sym typeface="Comfortaa"/>
+              </a:rPr>
+              <a:t>Tracking on an Offshore Oil Rig</a:t>
+            </a:r>
+            <a:r>
+              <a:rPr lang="en" sz="10500">
+                <a:solidFill>
+                  <a:srgbClr val="000000"/>
+                </a:solidFill>
+                <a:latin typeface="Comfortaa"/>
+                <a:ea typeface="Comfortaa"/>
+                <a:cs typeface="Comfortaa"/>
+                <a:sym typeface="Comfortaa"/>
+              </a:rPr>
+              <a:t> </a:t>
             </a:r>
             <a:endParaRPr sz="10500">
-              <a:latin typeface="Gloria Hallelujah"/>
-              <a:ea typeface="Gloria Hallelujah"/>
-              <a:cs typeface="Gloria Hallelujah"/>
-              <a:sym typeface="Gloria Hallelujah"/>
+              <a:solidFill>
+                <a:srgbClr val="000000"/>
+              </a:solidFill>
+              <a:latin typeface="Comfortaa"/>
+              <a:ea typeface="Comfortaa"/>
+              <a:cs typeface="Comfortaa"/>
+              <a:sym typeface="Comfortaa"/>
             </a:endParaRPr>
           </a:p>
         </p:txBody>
       </p:sp>
       <p:sp>
         <p:nvSpPr>
-          <p:cNvPr id="55" name="Shape 55"/>
-          <p:cNvSpPr/>
-          <p:nvPr/>
-        </p:nvSpPr>
-        <p:spPr>
-          <a:xfrm>
-            <a:off x="11323650" y="15209175"/>
-            <a:ext cx="9161100" cy="975600"/>
-          </a:xfrm>
-          <a:prstGeom prst="rect">
-            <a:avLst/>
-          </a:prstGeom>
-          <a:solidFill>
-            <a:srgbClr val="FFFFFF"/>
-          </a:solidFill>
-          <a:ln cap="flat" cmpd="sng" w="9525">
-            <a:solidFill>
-              <a:schemeClr val="dk2"/>
-            </a:solidFill>
-            <a:prstDash val="solid"/>
-            <a:round/>
-            <a:headEnd len="sm" w="sm" type="none"/>
-            <a:tailEnd len="sm" w="sm" type="none"/>
-          </a:ln>
-        </p:spPr>
-        <p:txBody>
-          <a:bodyPr anchorCtr="0" anchor="ctr" bIns="129375" lIns="129375" spcFirstLastPara="1" rIns="129375" wrap="square" tIns="129375">
-            <a:noAutofit/>
-          </a:bodyPr>
-          <a:lstStyle/>
-          <a:p>
-            <a:pPr indent="0" lvl="0" marL="0" rtl="0" algn="ctr">
-              <a:spcBef>
-                <a:spcPts val="0"/>
-              </a:spcBef>
-              <a:spcAft>
-                <a:spcPts val="0"/>
-              </a:spcAft>
-              <a:buNone/>
-            </a:pPr>
-            <a:r>
-              <a:rPr b="1" lang="en" sz="3000" u="sng"/>
-              <a:t>Deliverables</a:t>
-            </a:r>
-            <a:endParaRPr b="1" sz="3000" u="sng"/>
-          </a:p>
-        </p:txBody>
-      </p:sp>
-      <p:sp>
-        <p:nvSpPr>
           <p:cNvPr id="56" name="Shape 56"/>
-          <p:cNvSpPr/>
-          <p:nvPr/>
-        </p:nvSpPr>
-        <p:spPr>
-          <a:xfrm>
-            <a:off x="742925" y="10896625"/>
-            <a:ext cx="9575700" cy="4624500"/>
-          </a:xfrm>
-          <a:prstGeom prst="rect">
-            <a:avLst/>
-          </a:prstGeom>
-          <a:solidFill>
-            <a:srgbClr val="FFFFFF"/>
-          </a:solidFill>
-          <a:ln cap="flat" cmpd="sng" w="9525">
-            <a:solidFill>
-              <a:schemeClr val="dk2"/>
-            </a:solidFill>
-            <a:prstDash val="solid"/>
-            <a:round/>
-            <a:headEnd len="sm" w="sm" type="none"/>
-            <a:tailEnd len="sm" w="sm" type="none"/>
-          </a:ln>
-        </p:spPr>
-        <p:txBody>
-          <a:bodyPr anchorCtr="0" anchor="ctr" bIns="129375" lIns="129375" spcFirstLastPara="1" rIns="129375" wrap="square" tIns="129375">
-            <a:noAutofit/>
-          </a:bodyPr>
-          <a:lstStyle/>
-          <a:p>
-            <a:pPr indent="457200" lvl="0" marL="3657600" rtl="0" algn="l">
-              <a:spcBef>
-                <a:spcPts val="0"/>
-              </a:spcBef>
-              <a:spcAft>
-                <a:spcPts val="0"/>
-              </a:spcAft>
-              <a:buNone/>
-            </a:pPr>
-            <a:r>
-              <a:rPr b="1" lang="en" sz="3000"/>
-              <a:t>Impact</a:t>
-            </a:r>
-            <a:endParaRPr b="1" sz="3000"/>
-          </a:p>
-          <a:p>
-            <a:pPr indent="0" lvl="0" marL="0" rtl="0" algn="ctr">
-              <a:spcBef>
-                <a:spcPts val="0"/>
-              </a:spcBef>
-              <a:spcAft>
-                <a:spcPts val="0"/>
-              </a:spcAft>
-              <a:buNone/>
-            </a:pPr>
-            <a:r>
-              <a:t/>
-            </a:r>
-            <a:endParaRPr b="1" sz="3000"/>
-          </a:p>
-          <a:p>
-            <a:pPr indent="0" lvl="0" marL="0" rtl="0" algn="ctr">
-              <a:spcBef>
-                <a:spcPts val="0"/>
-              </a:spcBef>
-              <a:spcAft>
-                <a:spcPts val="0"/>
-              </a:spcAft>
-              <a:buNone/>
-            </a:pPr>
-            <a:r>
-              <a:rPr lang="en" sz="3000"/>
-              <a:t>A successful implementation of this project will improve the safety of all those working on an oil rig.</a:t>
-            </a:r>
-            <a:endParaRPr sz="3000"/>
-          </a:p>
-          <a:p>
-            <a:pPr indent="0" lvl="0" marL="0" rtl="0" algn="ctr">
-              <a:spcBef>
-                <a:spcPts val="0"/>
-              </a:spcBef>
-              <a:spcAft>
-                <a:spcPts val="0"/>
-              </a:spcAft>
-              <a:buNone/>
-            </a:pPr>
-            <a:r>
-              <a:t/>
-            </a:r>
-            <a:endParaRPr sz="3000"/>
-          </a:p>
-          <a:p>
-            <a:pPr indent="0" lvl="0" marL="0" rtl="0" algn="ctr">
-              <a:spcBef>
-                <a:spcPts val="0"/>
-              </a:spcBef>
-              <a:spcAft>
-                <a:spcPts val="0"/>
-              </a:spcAft>
-              <a:buNone/>
-            </a:pPr>
-            <a:r>
-              <a:rPr lang="en" sz="3000"/>
-              <a:t>In the case of an emergency the system would notify the employees of the crisis and notify rescuers where the employees are.</a:t>
-            </a:r>
-            <a:endParaRPr sz="3000"/>
-          </a:p>
-        </p:txBody>
-      </p:sp>
-      <p:sp>
-        <p:nvSpPr>
-          <p:cNvPr id="57" name="Shape 57"/>
-          <p:cNvSpPr/>
-          <p:nvPr/>
-        </p:nvSpPr>
-        <p:spPr>
-          <a:xfrm>
-            <a:off x="11323725" y="2960550"/>
-            <a:ext cx="9161100" cy="3574500"/>
-          </a:xfrm>
-          <a:prstGeom prst="rect">
-            <a:avLst/>
-          </a:prstGeom>
-          <a:solidFill>
-            <a:srgbClr val="FFFFFF"/>
-          </a:solidFill>
-          <a:ln cap="flat" cmpd="sng" w="9525">
-            <a:solidFill>
-              <a:schemeClr val="dk2"/>
-            </a:solidFill>
-            <a:prstDash val="solid"/>
-            <a:round/>
-            <a:headEnd len="sm" w="sm" type="none"/>
-            <a:tailEnd len="sm" w="sm" type="none"/>
-          </a:ln>
-        </p:spPr>
-        <p:txBody>
-          <a:bodyPr anchorCtr="0" anchor="ctr" bIns="129375" lIns="129375" spcFirstLastPara="1" rIns="129375" wrap="square" tIns="129375">
-            <a:noAutofit/>
-          </a:bodyPr>
-          <a:lstStyle/>
-          <a:p>
-            <a:pPr indent="0" lvl="0" marL="0" rtl="0" algn="ctr">
-              <a:spcBef>
-                <a:spcPts val="0"/>
-              </a:spcBef>
-              <a:spcAft>
-                <a:spcPts val="0"/>
-              </a:spcAft>
-              <a:buNone/>
-            </a:pPr>
-            <a:r>
-              <a:rPr lang="en" sz="3000"/>
-              <a:t>Our project investigates methods and tools that are used to track employees and assets.</a:t>
-            </a:r>
-            <a:endParaRPr sz="3000"/>
-          </a:p>
-          <a:p>
-            <a:pPr indent="0" lvl="0" marL="0" rtl="0" algn="ctr">
-              <a:spcBef>
-                <a:spcPts val="0"/>
-              </a:spcBef>
-              <a:spcAft>
-                <a:spcPts val="0"/>
-              </a:spcAft>
-              <a:buNone/>
-            </a:pPr>
-            <a:r>
-              <a:t/>
-            </a:r>
-            <a:endParaRPr sz="3000"/>
-          </a:p>
-        </p:txBody>
-      </p:sp>
-      <p:sp>
-        <p:nvSpPr>
-          <p:cNvPr id="58" name="Shape 58"/>
-          <p:cNvSpPr/>
-          <p:nvPr/>
-        </p:nvSpPr>
-        <p:spPr>
-          <a:xfrm>
-            <a:off x="766725" y="6909650"/>
-            <a:ext cx="9575700" cy="3913800"/>
-          </a:xfrm>
-          <a:prstGeom prst="rect">
-            <a:avLst/>
-          </a:prstGeom>
-          <a:solidFill>
-            <a:srgbClr val="FFFFFF"/>
-          </a:solidFill>
-          <a:ln cap="flat" cmpd="sng" w="9525">
-            <a:solidFill>
-              <a:schemeClr val="dk2"/>
-            </a:solidFill>
-            <a:prstDash val="solid"/>
-            <a:round/>
-            <a:headEnd len="sm" w="sm" type="none"/>
-            <a:tailEnd len="sm" w="sm" type="none"/>
-          </a:ln>
-        </p:spPr>
-        <p:txBody>
-          <a:bodyPr anchorCtr="0" anchor="ctr" bIns="129375" lIns="129375" spcFirstLastPara="1" rIns="129375" wrap="square" tIns="129375">
-            <a:noAutofit/>
-          </a:bodyPr>
-          <a:lstStyle/>
-          <a:p>
-            <a:pPr indent="0" lvl="0" marL="0" rtl="0" algn="ctr">
-              <a:spcBef>
-                <a:spcPts val="0"/>
-              </a:spcBef>
-              <a:spcAft>
-                <a:spcPts val="0"/>
-              </a:spcAft>
-              <a:buNone/>
-            </a:pPr>
-            <a:r>
-              <a:rPr lang="en" sz="3000"/>
-              <a:t>Oil companies need a tracking and monitoring system for its </a:t>
-            </a:r>
-            <a:r>
-              <a:rPr lang="en" sz="3000"/>
-              <a:t>employees</a:t>
-            </a:r>
-            <a:r>
-              <a:rPr lang="en" sz="3000"/>
-              <a:t> </a:t>
-            </a:r>
-            <a:r>
-              <a:rPr lang="en" sz="3000"/>
-              <a:t>while</a:t>
-            </a:r>
-            <a:r>
-              <a:rPr lang="en" sz="3000"/>
-              <a:t> they are onsite to protect them.</a:t>
-            </a:r>
-            <a:endParaRPr sz="3000"/>
-          </a:p>
-        </p:txBody>
-      </p:sp>
-      <p:sp>
-        <p:nvSpPr>
-          <p:cNvPr id="59" name="Shape 59"/>
           <p:cNvSpPr txBox="1"/>
           <p:nvPr/>
         </p:nvSpPr>
         <p:spPr>
           <a:xfrm>
-            <a:off x="25" y="29592800"/>
-            <a:ext cx="21396900" cy="673800"/>
+            <a:off x="0" y="20723150"/>
+            <a:ext cx="30266700" cy="673800"/>
           </a:xfrm>
           <a:prstGeom prst="rect">
             <a:avLst/>
@@ -6177,7 +5575,7 @@
           </a:bodyPr>
           <a:lstStyle/>
           <a:p>
-            <a:pPr indent="0" lvl="0" marL="0" algn="ctr">
+            <a:pPr indent="0" lvl="0" marL="0" rtl="0" algn="ctr">
               <a:spcBef>
                 <a:spcPts val="0"/>
               </a:spcBef>
@@ -6194,43 +5592,93 @@
           </a:p>
         </p:txBody>
       </p:sp>
-      <p:pic>
-        <p:nvPicPr>
-          <p:cNvPr id="60" name="Shape 60"/>
-          <p:cNvPicPr preferRelativeResize="0"/>
-          <p:nvPr/>
-        </p:nvPicPr>
-        <p:blipFill rotWithShape="1">
-          <a:blip r:embed="rId4">
-            <a:alphaModFix/>
-          </a:blip>
-          <a:srcRect b="4852" l="16703" r="22558" t="0"/>
-          <a:stretch/>
-        </p:blipFill>
-        <p:spPr>
-          <a:xfrm>
-            <a:off x="11323650" y="6666125"/>
-            <a:ext cx="9161100" cy="8455782"/>
-          </a:xfrm>
-          <a:prstGeom prst="rect">
-            <a:avLst/>
-          </a:prstGeom>
-          <a:noFill/>
-          <a:ln>
-            <a:noFill/>
-          </a:ln>
-        </p:spPr>
-      </p:pic>
       <p:sp>
         <p:nvSpPr>
-          <p:cNvPr id="61" name="Shape 61"/>
+          <p:cNvPr id="57" name="Shape 57"/>
           <p:cNvSpPr/>
           <p:nvPr/>
         </p:nvSpPr>
         <p:spPr>
           <a:xfrm>
-            <a:off x="11323650" y="16269700"/>
-            <a:ext cx="9161100" cy="1156200"/>
+            <a:off x="209100" y="2949600"/>
+            <a:ext cx="9575700" cy="3713400"/>
+          </a:xfrm>
+          <a:prstGeom prst="doubleWave">
+            <a:avLst>
+              <a:gd fmla="val 5222" name="adj1"/>
+              <a:gd fmla="val 540" name="adj2"/>
+            </a:avLst>
+          </a:prstGeom>
+          <a:gradFill>
+            <a:gsLst>
+              <a:gs pos="0">
+                <a:srgbClr val="DCECD5"/>
+              </a:gs>
+              <a:gs pos="100000">
+                <a:srgbClr val="93BC81"/>
+              </a:gs>
+            </a:gsLst>
+            <a:path path="circle">
+              <a:fillToRect b="50%" l="50%" r="50%" t="50%"/>
+            </a:path>
+            <a:tileRect/>
+          </a:gradFill>
+          <a:ln cap="flat" cmpd="sng" w="9525">
+            <a:solidFill>
+              <a:srgbClr val="595959"/>
+            </a:solidFill>
+            <a:prstDash val="solid"/>
+            <a:round/>
+            <a:headEnd len="sm" w="sm" type="none"/>
+            <a:tailEnd len="sm" w="sm" type="none"/>
+          </a:ln>
+        </p:spPr>
+        <p:txBody>
+          <a:bodyPr anchorCtr="0" anchor="ctr" bIns="91425" lIns="91425" spcFirstLastPara="1" rIns="91425" wrap="square" tIns="91425">
+            <a:noAutofit/>
+          </a:bodyPr>
+          <a:lstStyle/>
+          <a:p>
+            <a:pPr indent="0" lvl="0" marL="0" rtl="0" algn="ctr">
+              <a:spcBef>
+                <a:spcPts val="0"/>
+              </a:spcBef>
+              <a:spcAft>
+                <a:spcPts val="0"/>
+              </a:spcAft>
+              <a:buClr>
+                <a:srgbClr val="000000"/>
+              </a:buClr>
+              <a:buSzPts val="1100"/>
+              <a:buFont typeface="Arial"/>
+              <a:buNone/>
+            </a:pPr>
+            <a:r>
+              <a:rPr b="1" lang="en" sz="4800">
+                <a:solidFill>
+                  <a:srgbClr val="000000"/>
+                </a:solidFill>
+              </a:rPr>
+              <a:t>During the Deepwater Horizon oil spill disaster, authorities were searching for lost employees for 3 days.</a:t>
+            </a:r>
+            <a:endParaRPr b="1" sz="4800">
+              <a:solidFill>
+                <a:srgbClr val="000000"/>
+              </a:solidFill>
+            </a:endParaRPr>
+          </a:p>
+        </p:txBody>
+      </p:sp>
+      <p:sp>
+        <p:nvSpPr>
+          <p:cNvPr id="58" name="Shape 58"/>
+          <p:cNvSpPr/>
+          <p:nvPr/>
+        </p:nvSpPr>
+        <p:spPr>
+          <a:xfrm>
+            <a:off x="336150" y="9528088"/>
+            <a:ext cx="9033300" cy="1766100"/>
           </a:xfrm>
           <a:prstGeom prst="rect">
             <a:avLst/>
@@ -6240,7 +5688,7 @@
           </a:solidFill>
           <a:ln cap="flat" cmpd="sng" w="9525">
             <a:solidFill>
-              <a:schemeClr val="dk2"/>
+              <a:srgbClr val="595959"/>
             </a:solidFill>
             <a:prstDash val="solid"/>
             <a:round/>
@@ -6264,38 +5712,8 @@
               <a:buNone/>
             </a:pPr>
             <a:r>
-              <a:t/>
-            </a:r>
-            <a:endParaRPr b="1" sz="3000"/>
-          </a:p>
-          <a:p>
-            <a:pPr indent="0" lvl="0" marL="0" rtl="0" algn="ctr">
-              <a:spcBef>
-                <a:spcPts val="0"/>
-              </a:spcBef>
-              <a:spcAft>
-                <a:spcPts val="0"/>
-              </a:spcAft>
-              <a:buNone/>
-            </a:pPr>
-            <a:r>
               <a:rPr lang="en" sz="3000"/>
-              <a:t>Market Analysis Report</a:t>
-            </a:r>
-            <a:endParaRPr sz="3000"/>
-          </a:p>
-          <a:p>
-            <a:pPr indent="0" lvl="0" marL="0" rtl="0" algn="l">
-              <a:spcBef>
-                <a:spcPts val="0"/>
-              </a:spcBef>
-              <a:spcAft>
-                <a:spcPts val="0"/>
-              </a:spcAft>
-              <a:buNone/>
-            </a:pPr>
-            <a:r>
-              <a:t/>
+              <a:t>Our project investigates methods and tools that are used to track employees and assets.</a:t>
             </a:r>
             <a:endParaRPr sz="3000"/>
           </a:p>
@@ -6303,14 +5721,14 @@
       </p:sp>
       <p:sp>
         <p:nvSpPr>
-          <p:cNvPr id="62" name="Shape 62"/>
+          <p:cNvPr id="59" name="Shape 59"/>
           <p:cNvSpPr/>
           <p:nvPr/>
         </p:nvSpPr>
         <p:spPr>
           <a:xfrm>
-            <a:off x="11323725" y="18737675"/>
-            <a:ext cx="9161100" cy="1262700"/>
+            <a:off x="336150" y="6908988"/>
+            <a:ext cx="9033300" cy="2144700"/>
           </a:xfrm>
           <a:prstGeom prst="rect">
             <a:avLst/>
@@ -6320,7 +5738,7 @@
           </a:solidFill>
           <a:ln cap="flat" cmpd="sng" w="9525">
             <a:solidFill>
-              <a:schemeClr val="dk2"/>
+              <a:srgbClr val="595959"/>
             </a:solidFill>
             <a:prstDash val="solid"/>
             <a:round/>
@@ -6345,7 +5763,57 @@
             </a:pPr>
             <a:r>
               <a:rPr lang="en" sz="3000"/>
-              <a:t>Prototype</a:t>
+              <a:t>Oil companies need a tracking and monitoring system for its employees while they are onsite to protect them.</a:t>
+            </a:r>
+            <a:endParaRPr sz="3000"/>
+          </a:p>
+        </p:txBody>
+      </p:sp>
+      <p:sp>
+        <p:nvSpPr>
+          <p:cNvPr id="60" name="Shape 60"/>
+          <p:cNvSpPr/>
+          <p:nvPr/>
+        </p:nvSpPr>
+        <p:spPr>
+          <a:xfrm>
+            <a:off x="896848" y="12153025"/>
+            <a:ext cx="8200200" cy="912000"/>
+          </a:xfrm>
+          <a:prstGeom prst="rect">
+            <a:avLst/>
+          </a:prstGeom>
+          <a:solidFill>
+            <a:srgbClr val="FFF2CC"/>
+          </a:solidFill>
+          <a:ln cap="flat" cmpd="sng" w="9525">
+            <a:solidFill>
+              <a:srgbClr val="595959"/>
+            </a:solidFill>
+            <a:prstDash val="solid"/>
+            <a:round/>
+            <a:headEnd len="sm" w="sm" type="none"/>
+            <a:tailEnd len="sm" w="sm" type="none"/>
+          </a:ln>
+        </p:spPr>
+        <p:txBody>
+          <a:bodyPr anchorCtr="0" anchor="ctr" bIns="129375" lIns="129375" spcFirstLastPara="1" rIns="129375" wrap="square" tIns="129375">
+            <a:noAutofit/>
+          </a:bodyPr>
+          <a:lstStyle/>
+          <a:p>
+            <a:pPr indent="0" lvl="0" marL="0" rtl="0" algn="l">
+              <a:spcBef>
+                <a:spcPts val="0"/>
+              </a:spcBef>
+              <a:spcAft>
+                <a:spcPts val="0"/>
+              </a:spcAft>
+              <a:buNone/>
+            </a:pPr>
+            <a:r>
+              <a:rPr lang="en" sz="3000"/>
+              <a:t>Safety</a:t>
             </a:r>
             <a:endParaRPr sz="3000"/>
           </a:p>
@@ -6353,7 +5821,7 @@
       </p:sp>
       <p:pic>
         <p:nvPicPr>
-          <p:cNvPr id="63" name="Shape 63"/>
+          <p:cNvPr id="61" name="Shape 61"/>
           <p:cNvPicPr preferRelativeResize="0"/>
           <p:nvPr/>
         </p:nvPicPr>
@@ -6361,13 +5829,13 @@
           <a:blip r:embed="rId5">
             <a:alphaModFix/>
           </a:blip>
-          <a:srcRect b="10642" l="22510" r="19279" t="0"/>
+          <a:srcRect b="0" l="17279" r="15615" t="0"/>
           <a:stretch/>
         </p:blipFill>
         <p:spPr>
           <a:xfrm>
-            <a:off x="11347475" y="20143675"/>
-            <a:ext cx="4971448" cy="4292726"/>
+            <a:off x="9215050" y="5842638"/>
+            <a:ext cx="11836600" cy="11741475"/>
           </a:xfrm>
           <a:prstGeom prst="rect">
             <a:avLst/>
@@ -6380,66 +5848,174 @@
       </p:pic>
       <p:sp>
         <p:nvSpPr>
-          <p:cNvPr id="64" name="Shape 64"/>
-          <p:cNvSpPr/>
+          <p:cNvPr id="62" name="Shape 62"/>
+          <p:cNvSpPr txBox="1"/>
           <p:nvPr/>
         </p:nvSpPr>
         <p:spPr>
-          <a:xfrm>
-            <a:off x="766725" y="2775750"/>
-            <a:ext cx="9613800" cy="3944100"/>
+          <a:xfrm rot="-3048614">
+            <a:off x="9073811" y="8096125"/>
+            <a:ext cx="4442381" cy="814746"/>
           </a:xfrm>
-          <a:prstGeom prst="doubleWave">
-            <a:avLst>
-              <a:gd fmla="val 6250" name="adj1"/>
-              <a:gd fmla="val 0" name="adj2"/>
-            </a:avLst>
+          <a:prstGeom prst="rect">
+            <a:avLst/>
           </a:prstGeom>
-          <a:solidFill>
-            <a:srgbClr val="FFFFFF"/>
-          </a:solidFill>
-          <a:ln cap="flat" cmpd="sng" w="9525">
-            <a:solidFill>
-              <a:schemeClr val="dk2"/>
-            </a:solidFill>
-            <a:prstDash val="solid"/>
-            <a:round/>
-            <a:headEnd len="sm" w="sm" type="none"/>
-            <a:tailEnd len="sm" w="sm" type="none"/>
+          <a:noFill/>
+          <a:ln>
+            <a:noFill/>
           </a:ln>
         </p:spPr>
         <p:txBody>
-          <a:bodyPr anchorCtr="0" anchor="ctr" bIns="91425" lIns="91425" spcFirstLastPara="1" rIns="91425" wrap="square" tIns="91425">
+          <a:bodyPr anchorCtr="0" anchor="t" bIns="302625" lIns="302625" spcFirstLastPara="1" rIns="302625" wrap="square" tIns="302625">
+            <a:noAutofit/>
+          </a:bodyPr>
+          <a:lstStyle/>
+          <a:p>
+            <a:pPr indent="0" lvl="0" marL="0" rtl="0" algn="r">
+              <a:lnSpc>
+                <a:spcPct val="115000"/>
+              </a:lnSpc>
+              <a:spcBef>
+                <a:spcPts val="0"/>
+              </a:spcBef>
+              <a:spcAft>
+                <a:spcPts val="0"/>
+              </a:spcAft>
+              <a:buNone/>
+            </a:pPr>
+            <a:r>
+              <a:rPr b="1" lang="en" sz="3000">
+                <a:latin typeface="Roboto"/>
+                <a:ea typeface="Roboto"/>
+                <a:cs typeface="Roboto"/>
+                <a:sym typeface="Roboto"/>
+              </a:rPr>
+              <a:t>Scope and </a:t>
+            </a:r>
+            <a:r>
+              <a:rPr b="1" lang="en" sz="3000">
+                <a:latin typeface="Roboto"/>
+                <a:ea typeface="Roboto"/>
+                <a:cs typeface="Roboto"/>
+                <a:sym typeface="Roboto"/>
+              </a:rPr>
+              <a:t>Context</a:t>
+            </a:r>
+            <a:endParaRPr b="1" sz="3000">
+              <a:latin typeface="Roboto"/>
+              <a:ea typeface="Roboto"/>
+              <a:cs typeface="Roboto"/>
+              <a:sym typeface="Roboto"/>
+            </a:endParaRPr>
+          </a:p>
+        </p:txBody>
+      </p:sp>
+      <p:sp>
+        <p:nvSpPr>
+          <p:cNvPr id="63" name="Shape 63"/>
+          <p:cNvSpPr txBox="1"/>
+          <p:nvPr/>
+        </p:nvSpPr>
+        <p:spPr>
+          <a:xfrm rot="2699558">
+            <a:off x="9224848" y="14659701"/>
+            <a:ext cx="4948828" cy="1056842"/>
+          </a:xfrm>
+          <a:prstGeom prst="rect">
+            <a:avLst/>
+          </a:prstGeom>
+          <a:noFill/>
+          <a:ln>
+            <a:noFill/>
+          </a:ln>
+        </p:spPr>
+        <p:txBody>
+          <a:bodyPr anchorCtr="0" anchor="t" bIns="302625" lIns="302625" spcFirstLastPara="1" rIns="302625" wrap="square" tIns="302625">
             <a:noAutofit/>
           </a:bodyPr>
           <a:lstStyle/>
           <a:p>
             <a:pPr indent="0" lvl="0" marL="0" rtl="0" algn="ctr">
-              <a:spcBef>
-                <a:spcPts val="0"/>
-              </a:spcBef>
-              <a:spcAft>
-                <a:spcPts val="0"/>
-              </a:spcAft>
-              <a:buClr>
-                <a:schemeClr val="dk1"/>
-              </a:buClr>
-              <a:buSzPts val="1100"/>
-              <a:buFont typeface="Arial"/>
+              <a:lnSpc>
+                <a:spcPct val="115000"/>
+              </a:lnSpc>
+              <a:spcBef>
+                <a:spcPts val="0"/>
+              </a:spcBef>
+              <a:spcAft>
+                <a:spcPts val="0"/>
+              </a:spcAft>
               <a:buNone/>
             </a:pPr>
             <a:r>
-              <a:rPr b="1" lang="en" sz="4800">
-                <a:solidFill>
-                  <a:schemeClr val="dk1"/>
-                </a:solidFill>
+              <a:rPr b="1" lang="en" sz="3000">
+                <a:latin typeface="Roboto"/>
+                <a:ea typeface="Roboto"/>
+                <a:cs typeface="Roboto"/>
+                <a:sym typeface="Roboto"/>
               </a:rPr>
-              <a:t>During the Deepwater Horizon oil spill disaster, authorities were searching for the lost employees for 3 days.</a:t>
+              <a:t>Impact</a:t>
             </a:r>
-            <a:endParaRPr b="1" sz="4800">
-              <a:solidFill>
-                <a:schemeClr val="dk1"/>
-              </a:solidFill>
+            <a:endParaRPr b="1" sz="3000">
+              <a:latin typeface="Roboto"/>
+              <a:ea typeface="Roboto"/>
+              <a:cs typeface="Roboto"/>
+              <a:sym typeface="Roboto"/>
+            </a:endParaRPr>
+          </a:p>
+        </p:txBody>
+      </p:sp>
+      <p:sp>
+        <p:nvSpPr>
+          <p:cNvPr id="64" name="Shape 64"/>
+          <p:cNvSpPr txBox="1"/>
+          <p:nvPr/>
+        </p:nvSpPr>
+        <p:spPr>
+          <a:xfrm rot="-5398340">
+            <a:off x="18568555" y="11115062"/>
+            <a:ext cx="2485500" cy="869400"/>
+          </a:xfrm>
+          <a:prstGeom prst="rect">
+            <a:avLst/>
+          </a:prstGeom>
+          <a:noFill/>
+          <a:ln>
+            <a:noFill/>
+          </a:ln>
+        </p:spPr>
+        <p:txBody>
+          <a:bodyPr anchorCtr="0" anchor="t" bIns="302625" lIns="302625" spcFirstLastPara="1" rIns="302625" wrap="square" tIns="302625">
+            <a:noAutofit/>
+          </a:bodyPr>
+          <a:lstStyle/>
+          <a:p>
+            <a:pPr indent="0" lvl="0" marL="0">
+              <a:lnSpc>
+                <a:spcPct val="115000"/>
+              </a:lnSpc>
+              <a:spcBef>
+                <a:spcPts val="0"/>
+              </a:spcBef>
+              <a:spcAft>
+                <a:spcPts val="0"/>
+              </a:spcAft>
+              <a:buNone/>
+            </a:pPr>
+            <a:r>
+              <a:rPr b="1" lang="en" sz="3000">
+                <a:latin typeface="Roboto"/>
+                <a:ea typeface="Roboto"/>
+                <a:cs typeface="Roboto"/>
+                <a:sym typeface="Roboto"/>
+              </a:rPr>
+              <a:t>Approach</a:t>
+            </a:r>
+            <a:endParaRPr b="1" sz="3000">
+              <a:latin typeface="Roboto"/>
+              <a:ea typeface="Roboto"/>
+              <a:cs typeface="Roboto"/>
+              <a:sym typeface="Roboto"/>
             </a:endParaRPr>
           </a:p>
         </p:txBody>
@@ -6454,13 +6030,13 @@
           <a:blip r:embed="rId6">
             <a:alphaModFix/>
           </a:blip>
-          <a:srcRect b="0" l="3670" r="0" t="0"/>
+          <a:srcRect b="10642" l="22510" r="19279" t="0"/>
           <a:stretch/>
         </p:blipFill>
         <p:spPr>
           <a:xfrm>
-            <a:off x="742925" y="15594973"/>
-            <a:ext cx="9575698" cy="11252828"/>
+            <a:off x="24383932" y="15335901"/>
+            <a:ext cx="5411994" cy="4673151"/>
           </a:xfrm>
           <a:prstGeom prst="rect">
             <a:avLst/>
@@ -6479,18 +6055,18 @@
         </p:nvSpPr>
         <p:spPr>
           <a:xfrm>
-            <a:off x="11347475" y="17488900"/>
-            <a:ext cx="9161100" cy="1156200"/>
+            <a:off x="20243625" y="14090200"/>
+            <a:ext cx="9575700" cy="912000"/>
           </a:xfrm>
           <a:prstGeom prst="rect">
             <a:avLst/>
           </a:prstGeom>
           <a:solidFill>
-            <a:srgbClr val="FFFFFF"/>
+            <a:srgbClr val="FFF2CC"/>
           </a:solidFill>
           <a:ln cap="flat" cmpd="sng" w="9525">
             <a:solidFill>
-              <a:schemeClr val="dk2"/>
+              <a:srgbClr val="595959"/>
             </a:solidFill>
             <a:prstDash val="solid"/>
             <a:round/>
@@ -6514,10 +6090,95 @@
               <a:buNone/>
             </a:pPr>
             <a:r>
-              <a:t/>
+              <a:rPr lang="en" sz="3000"/>
+              <a:t>Prototype</a:t>
             </a:r>
-            <a:endParaRPr b="1" sz="3000"/>
+            <a:endParaRPr sz="3000"/>
           </a:p>
+        </p:txBody>
+      </p:sp>
+      <p:sp>
+        <p:nvSpPr>
+          <p:cNvPr id="67" name="Shape 67"/>
+          <p:cNvSpPr/>
+          <p:nvPr/>
+        </p:nvSpPr>
+        <p:spPr>
+          <a:xfrm>
+            <a:off x="20243625" y="2703600"/>
+            <a:ext cx="9575700" cy="912000"/>
+          </a:xfrm>
+          <a:prstGeom prst="rect">
+            <a:avLst/>
+          </a:prstGeom>
+          <a:solidFill>
+            <a:srgbClr val="FFF2CC"/>
+          </a:solidFill>
+          <a:ln cap="flat" cmpd="sng" w="9525">
+            <a:solidFill>
+              <a:srgbClr val="595959"/>
+            </a:solidFill>
+            <a:prstDash val="solid"/>
+            <a:round/>
+            <a:headEnd len="sm" w="sm" type="none"/>
+            <a:tailEnd len="sm" w="sm" type="none"/>
+          </a:ln>
+        </p:spPr>
+        <p:txBody>
+          <a:bodyPr anchorCtr="0" anchor="ctr" bIns="129375" lIns="129375" spcFirstLastPara="1" rIns="129375" wrap="square" tIns="129375">
+            <a:noAutofit/>
+          </a:bodyPr>
+          <a:lstStyle/>
+          <a:p>
+            <a:pPr indent="0" lvl="0" marL="0" rtl="0" algn="ctr">
+              <a:spcBef>
+                <a:spcPts val="0"/>
+              </a:spcBef>
+              <a:spcAft>
+                <a:spcPts val="0"/>
+              </a:spcAft>
+              <a:buNone/>
+            </a:pPr>
+            <a:r>
+              <a:rPr lang="en" sz="3000"/>
+              <a:t>Report</a:t>
+            </a:r>
+            <a:endParaRPr sz="3000"/>
+          </a:p>
+        </p:txBody>
+      </p:sp>
+      <p:sp>
+        <p:nvSpPr>
+          <p:cNvPr id="68" name="Shape 68"/>
+          <p:cNvSpPr/>
+          <p:nvPr/>
+        </p:nvSpPr>
+        <p:spPr>
+          <a:xfrm>
+            <a:off x="20655125" y="9786475"/>
+            <a:ext cx="9164100" cy="912000"/>
+          </a:xfrm>
+          <a:prstGeom prst="rect">
+            <a:avLst/>
+          </a:prstGeom>
+          <a:solidFill>
+            <a:srgbClr val="FFF2CC"/>
+          </a:solidFill>
+          <a:ln cap="flat" cmpd="sng" w="9525">
+            <a:solidFill>
+              <a:srgbClr val="595959"/>
+            </a:solidFill>
+            <a:prstDash val="solid"/>
+            <a:round/>
+            <a:headEnd len="sm" w="sm" type="none"/>
+            <a:tailEnd len="sm" w="sm" type="none"/>
+          </a:ln>
+        </p:spPr>
+        <p:txBody>
+          <a:bodyPr anchorCtr="0" anchor="ctr" bIns="129375" lIns="129375" spcFirstLastPara="1" rIns="129375" wrap="square" tIns="129375">
+            <a:noAutofit/>
+          </a:bodyPr>
+          <a:lstStyle/>
           <a:p>
             <a:pPr indent="0" lvl="0" marL="0" rtl="0" algn="ctr">
               <a:spcBef>
@@ -6534,8 +6195,223 @@
             </a:r>
             <a:endParaRPr sz="3000"/>
           </a:p>
+        </p:txBody>
+      </p:sp>
+      <p:sp>
+        <p:nvSpPr>
+          <p:cNvPr id="69" name="Shape 69"/>
+          <p:cNvSpPr/>
+          <p:nvPr/>
+        </p:nvSpPr>
+        <p:spPr>
+          <a:xfrm>
+            <a:off x="19672425" y="15335900"/>
+            <a:ext cx="4673150" cy="4673150"/>
+          </a:xfrm>
+          <a:prstGeom prst="flowChartPunchedCard">
+            <a:avLst/>
+          </a:prstGeom>
+          <a:solidFill>
+            <a:schemeClr val="lt2"/>
+          </a:solidFill>
+          <a:ln cap="flat" cmpd="sng" w="9525">
+            <a:solidFill>
+              <a:schemeClr val="dk2"/>
+            </a:solidFill>
+            <a:prstDash val="solid"/>
+            <a:round/>
+            <a:headEnd len="sm" w="sm" type="none"/>
+            <a:tailEnd len="sm" w="sm" type="none"/>
+          </a:ln>
+        </p:spPr>
+        <p:txBody>
+          <a:bodyPr anchorCtr="0" anchor="ctr" bIns="91425" lIns="91425" spcFirstLastPara="1" rIns="91425" wrap="square" tIns="91425">
+            <a:noAutofit/>
+          </a:bodyPr>
+          <a:lstStyle/>
           <a:p>
-            <a:pPr indent="0" lvl="0" marL="0" rtl="0" algn="l">
+            <a:pPr indent="-419100" lvl="0" marL="457200" rtl="0">
+              <a:spcBef>
+                <a:spcPts val="0"/>
+              </a:spcBef>
+              <a:spcAft>
+                <a:spcPts val="0"/>
+              </a:spcAft>
+              <a:buSzPts val="3000"/>
+              <a:buChar char="●"/>
+            </a:pPr>
+            <a:r>
+              <a:rPr lang="en" sz="3000"/>
+              <a:t>Transmits a signal to the receiver.</a:t>
+            </a:r>
+            <a:endParaRPr sz="3000"/>
+          </a:p>
+          <a:p>
+            <a:pPr indent="-419100" lvl="0" marL="457200" rtl="0">
+              <a:spcBef>
+                <a:spcPts val="0"/>
+              </a:spcBef>
+              <a:spcAft>
+                <a:spcPts val="0"/>
+              </a:spcAft>
+              <a:buSzPts val="3000"/>
+              <a:buChar char="●"/>
+            </a:pPr>
+            <a:r>
+              <a:rPr lang="en" sz="3000"/>
+              <a:t>Detects whether device has contact with water.</a:t>
+            </a:r>
+            <a:endParaRPr sz="3000"/>
+          </a:p>
+          <a:p>
+            <a:pPr indent="-419100" lvl="0" marL="457200">
+              <a:spcBef>
+                <a:spcPts val="0"/>
+              </a:spcBef>
+              <a:spcAft>
+                <a:spcPts val="0"/>
+              </a:spcAft>
+              <a:buSzPts val="3000"/>
+              <a:buChar char="●"/>
+            </a:pPr>
+            <a:r>
+              <a:rPr lang="en" sz="3000"/>
+              <a:t>Detect whether the device has had a sudden acceleration.</a:t>
+            </a:r>
+            <a:endParaRPr sz="3000"/>
+          </a:p>
+        </p:txBody>
+      </p:sp>
+      <p:sp>
+        <p:nvSpPr>
+          <p:cNvPr id="70" name="Shape 70"/>
+          <p:cNvSpPr/>
+          <p:nvPr/>
+        </p:nvSpPr>
+        <p:spPr>
+          <a:xfrm>
+            <a:off x="20243625" y="4034200"/>
+            <a:ext cx="4247100" cy="4673100"/>
+          </a:xfrm>
+          <a:prstGeom prst="rect">
+            <a:avLst/>
+          </a:prstGeom>
+          <a:solidFill>
+            <a:srgbClr val="FFFFFF"/>
+          </a:solidFill>
+          <a:ln cap="flat" cmpd="sng" w="9525">
+            <a:solidFill>
+              <a:srgbClr val="595959"/>
+            </a:solidFill>
+            <a:prstDash val="solid"/>
+            <a:round/>
+            <a:headEnd len="sm" w="sm" type="none"/>
+            <a:tailEnd len="sm" w="sm" type="none"/>
+          </a:ln>
+        </p:spPr>
+        <p:txBody>
+          <a:bodyPr anchorCtr="0" anchor="ctr" bIns="129375" lIns="129375" spcFirstLastPara="1" rIns="129375" wrap="square" tIns="129375">
+            <a:noAutofit/>
+          </a:bodyPr>
+          <a:lstStyle/>
+          <a:p>
+            <a:pPr indent="0" lvl="0" marL="0" rtl="0" algn="ctr">
+              <a:spcBef>
+                <a:spcPts val="0"/>
+              </a:spcBef>
+              <a:spcAft>
+                <a:spcPts val="0"/>
+              </a:spcAft>
+              <a:buNone/>
+            </a:pPr>
+            <a:r>
+              <a:t/>
+            </a:r>
+            <a:endParaRPr sz="3000"/>
+          </a:p>
+          <a:p>
+            <a:pPr indent="0" lvl="0" marL="0">
+              <a:spcBef>
+                <a:spcPts val="0"/>
+              </a:spcBef>
+              <a:spcAft>
+                <a:spcPts val="0"/>
+              </a:spcAft>
+              <a:buNone/>
+            </a:pPr>
+            <a:r>
+              <a:rPr lang="en" sz="3000"/>
+              <a:t>Market Analysis</a:t>
+            </a:r>
+            <a:endParaRPr sz="3000"/>
+          </a:p>
+          <a:p>
+            <a:pPr indent="-419100" lvl="0" marL="457200" rtl="0">
+              <a:spcBef>
+                <a:spcPts val="0"/>
+              </a:spcBef>
+              <a:spcAft>
+                <a:spcPts val="0"/>
+              </a:spcAft>
+              <a:buSzPts val="3000"/>
+              <a:buChar char="●"/>
+            </a:pPr>
+            <a:r>
+              <a:rPr lang="en" sz="3000"/>
+              <a:t>Current Features</a:t>
+            </a:r>
+            <a:endParaRPr sz="3000"/>
+          </a:p>
+          <a:p>
+            <a:pPr indent="-419100" lvl="0" marL="457200" rtl="0">
+              <a:spcBef>
+                <a:spcPts val="0"/>
+              </a:spcBef>
+              <a:spcAft>
+                <a:spcPts val="0"/>
+              </a:spcAft>
+              <a:buSzPts val="3000"/>
+              <a:buChar char="●"/>
+            </a:pPr>
+            <a:r>
+              <a:rPr lang="en" sz="3000"/>
+              <a:t>Competitors</a:t>
+            </a:r>
+            <a:endParaRPr sz="3000"/>
+          </a:p>
+          <a:p>
+            <a:pPr indent="0" lvl="0" marL="0" rtl="0">
+              <a:spcBef>
+                <a:spcPts val="0"/>
+              </a:spcBef>
+              <a:spcAft>
+                <a:spcPts val="0"/>
+              </a:spcAft>
+              <a:buNone/>
+            </a:pPr>
+            <a:r>
+              <a:t/>
+            </a:r>
+            <a:endParaRPr sz="3000"/>
+          </a:p>
+          <a:p>
+            <a:pPr indent="0" lvl="0" marL="0" rtl="0">
+              <a:spcBef>
+                <a:spcPts val="0"/>
+              </a:spcBef>
+              <a:spcAft>
+                <a:spcPts val="0"/>
+              </a:spcAft>
+              <a:buNone/>
+            </a:pPr>
+            <a:r>
+              <a:rPr lang="en" sz="3000"/>
+              <a:t>We found that the market was oversaturated with competitors</a:t>
+            </a:r>
+            <a:endParaRPr sz="3000"/>
+          </a:p>
+          <a:p>
+            <a:pPr indent="0" lvl="0" marL="0" rtl="0">
               <a:spcBef>
                 <a:spcPts val="0"/>
               </a:spcBef>
@@ -6551,6 +6427,384 @@
           </a:p>
         </p:txBody>
       </p:sp>
+      <p:pic>
+        <p:nvPicPr>
+          <p:cNvPr id="71" name="Shape 71"/>
+          <p:cNvPicPr preferRelativeResize="0"/>
+          <p:nvPr/>
+        </p:nvPicPr>
+        <p:blipFill>
+          <a:blip r:embed="rId7">
+            <a:alphaModFix/>
+          </a:blip>
+          <a:stretch>
+            <a:fillRect/>
+          </a:stretch>
+        </p:blipFill>
+        <p:spPr>
+          <a:xfrm>
+            <a:off x="1537688" y="13268213"/>
+            <a:ext cx="3072982" cy="2627400"/>
+          </a:xfrm>
+          <a:prstGeom prst="rect">
+            <a:avLst/>
+          </a:prstGeom>
+          <a:noFill/>
+          <a:ln>
+            <a:noFill/>
+          </a:ln>
+        </p:spPr>
+      </p:pic>
+      <p:pic>
+        <p:nvPicPr>
+          <p:cNvPr id="72" name="Shape 72"/>
+          <p:cNvPicPr preferRelativeResize="0"/>
+          <p:nvPr/>
+        </p:nvPicPr>
+        <p:blipFill>
+          <a:blip r:embed="rId8">
+            <a:alphaModFix/>
+          </a:blip>
+          <a:stretch>
+            <a:fillRect/>
+          </a:stretch>
+        </p:blipFill>
+        <p:spPr>
+          <a:xfrm>
+            <a:off x="4913038" y="13259066"/>
+            <a:ext cx="3072976" cy="2750310"/>
+          </a:xfrm>
+          <a:prstGeom prst="rect">
+            <a:avLst/>
+          </a:prstGeom>
+          <a:noFill/>
+          <a:ln>
+            <a:noFill/>
+          </a:ln>
+        </p:spPr>
+      </p:pic>
+      <p:pic>
+        <p:nvPicPr>
+          <p:cNvPr id="73" name="Shape 73"/>
+          <p:cNvPicPr preferRelativeResize="0"/>
+          <p:nvPr/>
+        </p:nvPicPr>
+        <p:blipFill>
+          <a:blip r:embed="rId9">
+            <a:alphaModFix/>
+          </a:blip>
+          <a:stretch>
+            <a:fillRect/>
+          </a:stretch>
+        </p:blipFill>
+        <p:spPr>
+          <a:xfrm>
+            <a:off x="1537709" y="17068438"/>
+            <a:ext cx="1831361" cy="2627400"/>
+          </a:xfrm>
+          <a:prstGeom prst="rect">
+            <a:avLst/>
+          </a:prstGeom>
+          <a:noFill/>
+          <a:ln>
+            <a:noFill/>
+          </a:ln>
+        </p:spPr>
+      </p:pic>
+      <p:pic>
+        <p:nvPicPr>
+          <p:cNvPr id="74" name="Shape 74"/>
+          <p:cNvPicPr preferRelativeResize="0"/>
+          <p:nvPr/>
+        </p:nvPicPr>
+        <p:blipFill>
+          <a:blip r:embed="rId10">
+            <a:alphaModFix/>
+          </a:blip>
+          <a:stretch>
+            <a:fillRect/>
+          </a:stretch>
+        </p:blipFill>
+        <p:spPr>
+          <a:xfrm>
+            <a:off x="5712812" y="17185489"/>
+            <a:ext cx="2485500" cy="2485500"/>
+          </a:xfrm>
+          <a:prstGeom prst="rect">
+            <a:avLst/>
+          </a:prstGeom>
+          <a:noFill/>
+          <a:ln>
+            <a:noFill/>
+          </a:ln>
+        </p:spPr>
+      </p:pic>
+      <p:pic>
+        <p:nvPicPr>
+          <p:cNvPr id="75" name="Shape 75"/>
+          <p:cNvPicPr preferRelativeResize="0"/>
+          <p:nvPr/>
+        </p:nvPicPr>
+        <p:blipFill rotWithShape="1">
+          <a:blip r:embed="rId11">
+            <a:alphaModFix/>
+          </a:blip>
+          <a:srcRect b="77154" l="36398" r="0" t="0"/>
+          <a:stretch/>
+        </p:blipFill>
+        <p:spPr>
+          <a:xfrm>
+            <a:off x="20631725" y="11032325"/>
+            <a:ext cx="9164200" cy="2316188"/>
+          </a:xfrm>
+          <a:prstGeom prst="rect">
+            <a:avLst/>
+          </a:prstGeom>
+          <a:noFill/>
+          <a:ln>
+            <a:noFill/>
+          </a:ln>
+        </p:spPr>
+      </p:pic>
+      <p:sp>
+        <p:nvSpPr>
+          <p:cNvPr id="76" name="Shape 76"/>
+          <p:cNvSpPr/>
+          <p:nvPr/>
+        </p:nvSpPr>
+        <p:spPr>
+          <a:xfrm>
+            <a:off x="896849" y="16098800"/>
+            <a:ext cx="3438600" cy="912000"/>
+          </a:xfrm>
+          <a:prstGeom prst="rect">
+            <a:avLst/>
+          </a:prstGeom>
+          <a:solidFill>
+            <a:srgbClr val="FFF2CC"/>
+          </a:solidFill>
+          <a:ln cap="flat" cmpd="sng" w="9525">
+            <a:solidFill>
+              <a:srgbClr val="595959"/>
+            </a:solidFill>
+            <a:prstDash val="solid"/>
+            <a:round/>
+            <a:headEnd len="sm" w="sm" type="none"/>
+            <a:tailEnd len="sm" w="sm" type="none"/>
+          </a:ln>
+        </p:spPr>
+        <p:txBody>
+          <a:bodyPr anchorCtr="0" anchor="ctr" bIns="129375" lIns="129375" spcFirstLastPara="1" rIns="129375" wrap="square" tIns="129375">
+            <a:noAutofit/>
+          </a:bodyPr>
+          <a:lstStyle/>
+          <a:p>
+            <a:pPr indent="0" lvl="0" marL="0" rtl="0" algn="l">
+              <a:spcBef>
+                <a:spcPts val="0"/>
+              </a:spcBef>
+              <a:spcAft>
+                <a:spcPts val="0"/>
+              </a:spcAft>
+              <a:buNone/>
+            </a:pPr>
+            <a:r>
+              <a:rPr lang="en" sz="3000"/>
+              <a:t>Cost</a:t>
+            </a:r>
+            <a:endParaRPr sz="3000"/>
+          </a:p>
+        </p:txBody>
+      </p:sp>
+      <p:sp>
+        <p:nvSpPr>
+          <p:cNvPr id="77" name="Shape 77"/>
+          <p:cNvSpPr/>
+          <p:nvPr/>
+        </p:nvSpPr>
+        <p:spPr>
+          <a:xfrm>
+            <a:off x="5152274" y="16203425"/>
+            <a:ext cx="3606600" cy="912000"/>
+          </a:xfrm>
+          <a:prstGeom prst="rect">
+            <a:avLst/>
+          </a:prstGeom>
+          <a:solidFill>
+            <a:srgbClr val="FFF2CC"/>
+          </a:solidFill>
+          <a:ln cap="flat" cmpd="sng" w="9525">
+            <a:solidFill>
+              <a:srgbClr val="595959"/>
+            </a:solidFill>
+            <a:prstDash val="solid"/>
+            <a:round/>
+            <a:headEnd len="sm" w="sm" type="none"/>
+            <a:tailEnd len="sm" w="sm" type="none"/>
+          </a:ln>
+        </p:spPr>
+        <p:txBody>
+          <a:bodyPr anchorCtr="0" anchor="ctr" bIns="129375" lIns="129375" spcFirstLastPara="1" rIns="129375" wrap="square" tIns="129375">
+            <a:noAutofit/>
+          </a:bodyPr>
+          <a:lstStyle/>
+          <a:p>
+            <a:pPr indent="0" lvl="0" marL="0" rtl="0" algn="l">
+              <a:spcBef>
+                <a:spcPts val="0"/>
+              </a:spcBef>
+              <a:spcAft>
+                <a:spcPts val="0"/>
+              </a:spcAft>
+              <a:buNone/>
+            </a:pPr>
+            <a:r>
+              <a:rPr lang="en" sz="3000"/>
+              <a:t>Efficiency</a:t>
+            </a:r>
+            <a:endParaRPr sz="3000"/>
+          </a:p>
+        </p:txBody>
+      </p:sp>
+      <p:pic>
+        <p:nvPicPr>
+          <p:cNvPr id="78" name="Shape 78"/>
+          <p:cNvPicPr preferRelativeResize="0"/>
+          <p:nvPr/>
+        </p:nvPicPr>
+        <p:blipFill>
+          <a:blip r:embed="rId12">
+            <a:alphaModFix/>
+          </a:blip>
+          <a:stretch>
+            <a:fillRect/>
+          </a:stretch>
+        </p:blipFill>
+        <p:spPr>
+          <a:xfrm>
+            <a:off x="25206737" y="4318387"/>
+            <a:ext cx="4673138" cy="4673138"/>
+          </a:xfrm>
+          <a:prstGeom prst="rect">
+            <a:avLst/>
+          </a:prstGeom>
+          <a:noFill/>
+          <a:ln>
+            <a:noFill/>
+          </a:ln>
+        </p:spPr>
+      </p:pic>
+      <p:pic>
+        <p:nvPicPr>
+          <p:cNvPr id="79" name="Shape 79"/>
+          <p:cNvPicPr preferRelativeResize="0"/>
+          <p:nvPr/>
+        </p:nvPicPr>
+        <p:blipFill>
+          <a:blip r:embed="rId13">
+            <a:alphaModFix/>
+          </a:blip>
+          <a:stretch>
+            <a:fillRect/>
+          </a:stretch>
+        </p:blipFill>
+        <p:spPr>
+          <a:xfrm>
+            <a:off x="10528800" y="3200800"/>
+            <a:ext cx="3072975" cy="2651531"/>
+          </a:xfrm>
+          <a:prstGeom prst="rect">
+            <a:avLst/>
+          </a:prstGeom>
+          <a:noFill/>
+          <a:ln>
+            <a:noFill/>
+          </a:ln>
+        </p:spPr>
+      </p:pic>
+      <p:pic>
+        <p:nvPicPr>
+          <p:cNvPr id="80" name="Shape 80"/>
+          <p:cNvPicPr preferRelativeResize="0"/>
+          <p:nvPr/>
+        </p:nvPicPr>
+        <p:blipFill rotWithShape="1">
+          <a:blip r:embed="rId14">
+            <a:alphaModFix/>
+          </a:blip>
+          <a:srcRect b="6079" l="6708" r="19810" t="13080"/>
+          <a:stretch/>
+        </p:blipFill>
+        <p:spPr>
+          <a:xfrm>
+            <a:off x="16256996" y="2976452"/>
+            <a:ext cx="3438600" cy="2593338"/>
+          </a:xfrm>
+          <a:prstGeom prst="rect">
+            <a:avLst/>
+          </a:prstGeom>
+          <a:noFill/>
+          <a:ln>
+            <a:noFill/>
+          </a:ln>
+        </p:spPr>
+      </p:pic>
+      <p:pic>
+        <p:nvPicPr>
+          <p:cNvPr id="81" name="Shape 81"/>
+          <p:cNvPicPr preferRelativeResize="0"/>
+          <p:nvPr/>
+        </p:nvPicPr>
+        <p:blipFill>
+          <a:blip r:embed="rId15">
+            <a:alphaModFix/>
+          </a:blip>
+          <a:stretch>
+            <a:fillRect/>
+          </a:stretch>
+        </p:blipFill>
+        <p:spPr>
+          <a:xfrm>
+            <a:off x="9737269" y="16810834"/>
+            <a:ext cx="1831375" cy="3687153"/>
+          </a:xfrm>
+          <a:prstGeom prst="rect">
+            <a:avLst/>
+          </a:prstGeom>
+          <a:noFill/>
+          <a:ln>
+            <a:noFill/>
+          </a:ln>
+        </p:spPr>
+      </p:pic>
+      <p:pic>
+        <p:nvPicPr>
+          <p:cNvPr id="82" name="Shape 82"/>
+          <p:cNvPicPr preferRelativeResize="0"/>
+          <p:nvPr/>
+        </p:nvPicPr>
+        <p:blipFill>
+          <a:blip r:embed="rId16">
+            <a:alphaModFix/>
+          </a:blip>
+          <a:stretch>
+            <a:fillRect/>
+          </a:stretch>
+        </p:blipFill>
+        <p:spPr>
+          <a:xfrm>
+            <a:off x="16827038" y="16909800"/>
+            <a:ext cx="2298503" cy="3687175"/>
+          </a:xfrm>
+          <a:prstGeom prst="rect">
+            <a:avLst/>
+          </a:prstGeom>
+          <a:noFill/>
+          <a:ln>
+            <a:noFill/>
+          </a:ln>
+        </p:spPr>
+      </p:pic>
     </p:spTree>
   </p:cSld>
   <p:clrMapOvr>
@@ -6560,6 +6814,285 @@
 </file>
 
 <file path=ppt/theme/theme1.xml><?xml version="1.0" encoding="utf-8"?>
+<a:theme xmlns:a="http://schemas.openxmlformats.org/drawingml/2006/main" xmlns:r="http://schemas.openxmlformats.org/officeDocument/2006/relationships">
+  <a:themeElements>
+    <a:clrScheme name="Default">
+      <a:dk1>
+        <a:srgbClr val="000000"/>
+      </a:dk1>
+      <a:lt1>
+        <a:srgbClr val="FFFFFF"/>
+      </a:lt1>
+      <a:dk2>
+        <a:srgbClr val="158158"/>
+      </a:dk2>
+      <a:lt2>
+        <a:srgbClr val="F3F3F3"/>
+      </a:lt2>
+      <a:accent1>
+        <a:srgbClr val="058DC7"/>
+      </a:accent1>
+      <a:accent2>
+        <a:srgbClr val="50B432"/>
+      </a:accent2>
+      <a:accent3>
+        <a:srgbClr val="ED561B"/>
+      </a:accent3>
+      <a:accent4>
+        <a:srgbClr val="EDEF00"/>
+      </a:accent4>
+      <a:accent5>
+        <a:srgbClr val="24CBE5"/>
+      </a:accent5>
+      <a:accent6>
+        <a:srgbClr val="64E572"/>
+      </a:accent6>
+      <a:hlink>
+        <a:srgbClr val="2200CC"/>
+      </a:hlink>
+      <a:folHlink>
+        <a:srgbClr val="551A8B"/>
+      </a:folHlink>
+    </a:clrScheme>
+    <a:fontScheme name="Office">
+      <a:majorFont>
+        <a:latin typeface="Arial"/>
+        <a:ea typeface=""/>
+        <a:cs typeface=""/>
+        <a:font script="Jpan" typeface="ＭＳ Ｐゴシック"/>
+        <a:font script="Hang" typeface="맑은 고딕"/>
+        <a:font script="Hans" typeface="宋体"/>
+        <a:font script="Hant" typeface="新細明體"/>
+        <a:font script="Arab" typeface="Times New Roman"/>
+        <a:font script="Hebr" typeface="Times New Roman"/>
+        <a:font script="Thai" typeface="Angsana New"/>
+        <a:font script="Ethi" typeface="Nyala"/>
+        <a:font script="Beng" typeface="Vrinda"/>
+        <a:font script="Gujr" typeface="Shruti"/>
+        <a:font script="Khmr" typeface="MoolBoran"/>
+        <a:font script="Knda" typeface="Tunga"/>
+        <a:font script="Guru" typeface="Raavi"/>
+        <a:font script="Cans" typeface="Euphemia"/>
+        <a:font script="Cher" typeface="Plantagenet Cherokee"/>
+        <a:font script="Yiii" typeface="Microsoft Yi Baiti"/>
+        <a:font script="Tibt" typeface="Microsoft Himalaya"/>
+        <a:font script="Thaa" typeface="MV Boli"/>
+        <a:font script="Deva" typeface="Mangal"/>
+        <a:font script="Telu" typeface="Gautami"/>
+        <a:font script="Taml" typeface="Latha"/>
+        <a:font script="Syrc" typeface="Estrangelo Edessa"/>
+        <a:font script="Orya" typeface="Kalinga"/>
+        <a:font script="Mlym" typeface="Kartika"/>
+        <a:font script="Laoo" typeface="DokChampa"/>
+        <a:font script="Sinh" typeface="Iskoola Pota"/>
+        <a:font script="Mong" typeface="Mongolian Baiti"/>
+        <a:font script="Viet" typeface="Times New Roman"/>
+        <a:font script="Uigh" typeface="Microsoft Uighur"/>
+        <a:font script="Geor" typeface="Sylfaen"/>
+      </a:majorFont>
+      <a:minorFont>
+        <a:latin typeface="Arial"/>
+        <a:ea typeface=""/>
+        <a:cs typeface=""/>
+        <a:font script="Jpan" typeface="ＭＳ Ｐゴシック"/>
+        <a:font script="Hang" typeface="맑은 고딕"/>
+        <a:font script="Hans" typeface="宋体"/>
+        <a:font script="Hant" typeface="新細明體"/>
+        <a:font script="Arab" typeface="Arial"/>
+        <a:font script="Hebr" typeface="Arial"/>
+        <a:font script="Thai" typeface="Cordia New"/>
+        <a:font script="Ethi" typeface="Nyala"/>
+        <a:font script="Beng" typeface="Vrinda"/>
+        <a:font script="Gujr" typeface="Shruti"/>
+        <a:font script="Khmr" typeface="DaunPenh"/>
+        <a:font script="Knda" typeface="Tunga"/>
+        <a:font script="Guru" typeface="Raavi"/>
+        <a:font script="Cans" typeface="Euphemia"/>
+        <a:font script="Cher" typeface="Plantagenet Cherokee"/>
+        <a:font script="Yiii" typeface="Microsoft Yi Baiti"/>
+        <a:font script="Tibt" typeface="Microsoft Himalaya"/>
+        <a:font script="Thaa" typeface="MV Boli"/>
+        <a:font script="Deva" typeface="Mangal"/>
+        <a:font script="Telu" typeface="Gautami"/>
+        <a:font script="Taml" typeface="Latha"/>
+        <a:font script="Syrc" typeface="Estrangelo Edessa"/>
+        <a:font script="Orya" typeface="Kalinga"/>
+        <a:font script="Mlym" typeface="Kartika"/>
+        <a:font script="Laoo" typeface="DokChampa"/>
+        <a:font script="Sinh" typeface="Iskoola Pota"/>
+        <a:font script="Mong" typeface="Mongolian Baiti"/>
+        <a:font script="Viet" typeface="Arial"/>
+        <a:font script="Uigh" typeface="Microsoft Uighur"/>
+        <a:font script="Geor" typeface="Sylfaen"/>
+      </a:minorFont>
+    </a:fontScheme>
+    <a:fmtScheme name="Office">
+      <a:fillStyleLst>
+        <a:solidFill>
+          <a:schemeClr val="phClr"/>
+        </a:solidFill>
+        <a:gradFill rotWithShape="1">
+          <a:gsLst>
+            <a:gs pos="0">
+              <a:schemeClr val="phClr">
+                <a:tint val="50000"/>
+                <a:satMod val="300000"/>
+              </a:schemeClr>
+            </a:gs>
+            <a:gs pos="35000">
+              <a:schemeClr val="phClr">
+                <a:tint val="37000"/>
+                <a:satMod val="300000"/>
+              </a:schemeClr>
+            </a:gs>
+            <a:gs pos="100000">
+              <a:schemeClr val="phClr">
+                <a:tint val="15000"/>
+                <a:satMod val="350000"/>
+              </a:schemeClr>
+            </a:gs>
+          </a:gsLst>
+          <a:lin ang="16200000" scaled="1"/>
+        </a:gradFill>
+        <a:gradFill rotWithShape="1">
+          <a:gsLst>
+            <a:gs pos="0">
+              <a:schemeClr val="phClr">
+                <a:tint val="100000"/>
+                <a:shade val="100000"/>
+                <a:satMod val="130000"/>
+              </a:schemeClr>
+            </a:gs>
+            <a:gs pos="100000">
+              <a:schemeClr val="phClr">
+                <a:tint val="50000"/>
+                <a:shade val="100000"/>
+                <a:satMod val="350000"/>
+              </a:schemeClr>
+            </a:gs>
+          </a:gsLst>
+          <a:lin ang="16200000" scaled="0"/>
+        </a:gradFill>
+      </a:fillStyleLst>
+      <a:lnStyleLst>
+        <a:ln w="9525" cap="flat" cmpd="sng" algn="ctr">
+          <a:solidFill>
+            <a:schemeClr val="phClr">
+              <a:shade val="95000"/>
+              <a:satMod val="105000"/>
+            </a:schemeClr>
+          </a:solidFill>
+          <a:prstDash val="solid"/>
+        </a:ln>
+        <a:ln w="25400" cap="flat" cmpd="sng" algn="ctr">
+          <a:solidFill>
+            <a:schemeClr val="phClr"/>
+          </a:solidFill>
+          <a:prstDash val="solid"/>
+        </a:ln>
+        <a:ln w="38100" cap="flat" cmpd="sng" algn="ctr">
+          <a:solidFill>
+            <a:schemeClr val="phClr"/>
+          </a:solidFill>
+          <a:prstDash val="solid"/>
+        </a:ln>
+      </a:lnStyleLst>
+      <a:effectStyleLst>
+        <a:effectStyle>
+          <a:effectLst>
+            <a:outerShdw blurRad="40000" dist="20000" dir="5400000" rotWithShape="0">
+              <a:srgbClr val="000000">
+                <a:alpha val="38000"/>
+              </a:srgbClr>
+            </a:outerShdw>
+          </a:effectLst>
+        </a:effectStyle>
+        <a:effectStyle>
+          <a:effectLst>
+            <a:outerShdw blurRad="40000" dist="23000" dir="5400000" rotWithShape="0">
+              <a:srgbClr val="000000">
+                <a:alpha val="35000"/>
+              </a:srgbClr>
+            </a:outerShdw>
+          </a:effectLst>
+        </a:effectStyle>
+        <a:effectStyle>
+          <a:effectLst>
+            <a:outerShdw blurRad="40000" dist="23000" dir="5400000" rotWithShape="0">
+              <a:srgbClr val="000000">
+                <a:alpha val="35000"/>
+              </a:srgbClr>
+            </a:outerShdw>
+          </a:effectLst>
+          <a:scene3d>
+            <a:camera prst="orthographicFront">
+              <a:rot lat="0" lon="0" rev="0"/>
+            </a:camera>
+            <a:lightRig rig="threePt" dir="t">
+              <a:rot lat="0" lon="0" rev="1200000"/>
+            </a:lightRig>
+          </a:scene3d>
+          <a:sp3d>
+            <a:bevelT w="63500" h="25400"/>
+          </a:sp3d>
+        </a:effectStyle>
+      </a:effectStyleLst>
+      <a:bgFillStyleLst>
+        <a:solidFill>
+          <a:schemeClr val="phClr"/>
+        </a:solidFill>
+        <a:gradFill rotWithShape="1">
+          <a:gsLst>
+            <a:gs pos="0">
+              <a:schemeClr val="phClr">
+                <a:tint val="40000"/>
+                <a:satMod val="350000"/>
+              </a:schemeClr>
+            </a:gs>
+            <a:gs pos="40000">
+              <a:schemeClr val="phClr">
+                <a:tint val="45000"/>
+                <a:shade val="99000"/>
+                <a:satMod val="350000"/>
+              </a:schemeClr>
+            </a:gs>
+            <a:gs pos="100000">
+              <a:schemeClr val="phClr">
+                <a:shade val="20000"/>
+                <a:satMod val="255000"/>
+              </a:schemeClr>
+            </a:gs>
+          </a:gsLst>
+          <a:path path="circle">
+            <a:fillToRect l="50000" t="-80000" r="50000" b="180000"/>
+          </a:path>
+        </a:gradFill>
+        <a:gradFill rotWithShape="1">
+          <a:gsLst>
+            <a:gs pos="0">
+              <a:schemeClr val="phClr">
+                <a:tint val="80000"/>
+                <a:satMod val="300000"/>
+              </a:schemeClr>
+            </a:gs>
+            <a:gs pos="100000">
+              <a:schemeClr val="phClr">
+                <a:shade val="30000"/>
+                <a:satMod val="200000"/>
+              </a:schemeClr>
+            </a:gs>
+          </a:gsLst>
+          <a:path path="circle">
+            <a:fillToRect l="50000" t="50000" r="50000" b="50000"/>
+          </a:path>
+        </a:gradFill>
+      </a:bgFillStyleLst>
+    </a:fmtScheme>
+  </a:themeElements>
+</a:theme>
+</file>
+
+<file path=ppt/theme/theme2.xml><?xml version="1.0" encoding="utf-8"?>
 <a:theme xmlns:a="http://schemas.openxmlformats.org/drawingml/2006/main" xmlns:r="http://schemas.openxmlformats.org/officeDocument/2006/relationships" name="Simple Light">
   <a:themeElements>
     <a:clrScheme name="Simple Light">
@@ -6836,283 +7369,4 @@
     </a:fmtScheme>
   </a:themeElements>
 </a:theme>
-</file>
-
-<file path=ppt/theme/theme2.xml><?xml version="1.0" encoding="utf-8"?>
-<a:theme xmlns:a="http://schemas.openxmlformats.org/drawingml/2006/main" xmlns:r="http://schemas.openxmlformats.org/officeDocument/2006/relationships">
-  <a:themeElements>
-    <a:clrScheme name="Default">
-      <a:dk1>
-        <a:srgbClr val="000000"/>
-      </a:dk1>
-      <a:lt1>
-        <a:srgbClr val="FFFFFF"/>
-      </a:lt1>
-      <a:dk2>
-        <a:srgbClr val="158158"/>
-      </a:dk2>
-      <a:lt2>
-        <a:srgbClr val="F3F3F3"/>
-      </a:lt2>
-      <a:accent1>
-        <a:srgbClr val="058DC7"/>
-      </a:accent1>
-      <a:accent2>
-        <a:srgbClr val="50B432"/>
-      </a:accent2>
-      <a:accent3>
-        <a:srgbClr val="ED561B"/>
-      </a:accent3>
-      <a:accent4>
-        <a:srgbClr val="EDEF00"/>
-      </a:accent4>
-      <a:accent5>
-        <a:srgbClr val="24CBE5"/>
-      </a:accent5>
-      <a:accent6>
-        <a:srgbClr val="64E572"/>
-      </a:accent6>
-      <a:hlink>
-        <a:srgbClr val="2200CC"/>
-      </a:hlink>
-      <a:folHlink>
-        <a:srgbClr val="551A8B"/>
-      </a:folHlink>
-    </a:clrScheme>
-    <a:fontScheme name="Office">
-      <a:majorFont>
-        <a:latin typeface="Arial"/>
-        <a:ea typeface=""/>
-        <a:cs typeface=""/>
-        <a:font script="Jpan" typeface="ＭＳ Ｐゴシック"/>
-        <a:font script="Hang" typeface="맑은 고딕"/>
-        <a:font script="Hans" typeface="宋体"/>
-        <a:font script="Hant" typeface="新細明體"/>
-        <a:font script="Arab" typeface="Times New Roman"/>
-        <a:font script="Hebr" typeface="Times New Roman"/>
-        <a:font script="Thai" typeface="Angsana New"/>
-        <a:font script="Ethi" typeface="Nyala"/>
-        <a:font script="Beng" typeface="Vrinda"/>
-        <a:font script="Gujr" typeface="Shruti"/>
-        <a:font script="Khmr" typeface="MoolBoran"/>
-        <a:font script="Knda" typeface="Tunga"/>
-        <a:font script="Guru" typeface="Raavi"/>
-        <a:font script="Cans" typeface="Euphemia"/>
-        <a:font script="Cher" typeface="Plantagenet Cherokee"/>
-        <a:font script="Yiii" typeface="Microsoft Yi Baiti"/>
-        <a:font script="Tibt" typeface="Microsoft Himalaya"/>
-        <a:font script="Thaa" typeface="MV Boli"/>
-        <a:font script="Deva" typeface="Mangal"/>
-        <a:font script="Telu" typeface="Gautami"/>
-        <a:font script="Taml" typeface="Latha"/>
-        <a:font script="Syrc" typeface="Estrangelo Edessa"/>
-        <a:font script="Orya" typeface="Kalinga"/>
-        <a:font script="Mlym" typeface="Kartika"/>
-        <a:font script="Laoo" typeface="DokChampa"/>
-        <a:font script="Sinh" typeface="Iskoola Pota"/>
-        <a:font script="Mong" typeface="Mongolian Baiti"/>
-        <a:font script="Viet" typeface="Times New Roman"/>
-        <a:font script="Uigh" typeface="Microsoft Uighur"/>
-        <a:font script="Geor" typeface="Sylfaen"/>
-      </a:majorFont>
-      <a:minorFont>
-        <a:latin typeface="Arial"/>
-        <a:ea typeface=""/>
-        <a:cs typeface=""/>
-        <a:font script="Jpan" typeface="ＭＳ Ｐゴシック"/>
-        <a:font script="Hang" typeface="맑은 고딕"/>
-        <a:font script="Hans" typeface="宋体"/>
-        <a:font script="Hant" typeface="新細明體"/>
-        <a:font script="Arab" typeface="Arial"/>
-        <a:font script="Hebr" typeface="Arial"/>
-        <a:font script="Thai" typeface="Cordia New"/>
-        <a:font script="Ethi" typeface="Nyala"/>
-        <a:font script="Beng" typeface="Vrinda"/>
-        <a:font script="Gujr" typeface="Shruti"/>
-        <a:font script="Khmr" typeface="DaunPenh"/>
-        <a:font script="Knda" typeface="Tunga"/>
-        <a:font script="Guru" typeface="Raavi"/>
-        <a:font script="Cans" typeface="Euphemia"/>
-        <a:font script="Cher" typeface="Plantagenet Cherokee"/>
-        <a:font script="Yiii" typeface="Microsoft Yi Baiti"/>
-        <a:font script="Tibt" typeface="Microsoft Himalaya"/>
-        <a:font script="Thaa" typeface="MV Boli"/>
-        <a:font script="Deva" typeface="Mangal"/>
-        <a:font script="Telu" typeface="Gautami"/>
-        <a:font script="Taml" typeface="Latha"/>
-        <a:font script="Syrc" typeface="Estrangelo Edessa"/>
-        <a:font script="Orya" typeface="Kalinga"/>
-        <a:font script="Mlym" typeface="Kartika"/>
-        <a:font script="Laoo" typeface="DokChampa"/>
-        <a:font script="Sinh" typeface="Iskoola Pota"/>
-        <a:font script="Mong" typeface="Mongolian Baiti"/>
-        <a:font script="Viet" typeface="Arial"/>
-        <a:font script="Uigh" typeface="Microsoft Uighur"/>
-        <a:font script="Geor" typeface="Sylfaen"/>
-      </a:minorFont>
-    </a:fontScheme>
-    <a:fmtScheme name="Office">
-      <a:fillStyleLst>
-        <a:solidFill>
-          <a:schemeClr val="phClr"/>
-        </a:solidFill>
-        <a:gradFill rotWithShape="1">
-          <a:gsLst>
-            <a:gs pos="0">
-              <a:schemeClr val="phClr">
-                <a:tint val="50000"/>
-                <a:satMod val="300000"/>
-              </a:schemeClr>
-            </a:gs>
-            <a:gs pos="35000">
-              <a:schemeClr val="phClr">
-                <a:tint val="37000"/>
-                <a:satMod val="300000"/>
-              </a:schemeClr>
-            </a:gs>
-            <a:gs pos="100000">
-              <a:schemeClr val="phClr">
-                <a:tint val="15000"/>
-                <a:satMod val="350000"/>
-              </a:schemeClr>
-            </a:gs>
-          </a:gsLst>
-          <a:lin ang="16200000" scaled="1"/>
-        </a:gradFill>
-        <a:gradFill rotWithShape="1">
-          <a:gsLst>
-            <a:gs pos="0">
-              <a:schemeClr val="phClr">
-                <a:tint val="100000"/>
-                <a:shade val="100000"/>
-                <a:satMod val="130000"/>
-              </a:schemeClr>
-            </a:gs>
-            <a:gs pos="100000">
-              <a:schemeClr val="phClr">
-                <a:tint val="50000"/>
-                <a:shade val="100000"/>
-                <a:satMod val="350000"/>
-              </a:schemeClr>
-            </a:gs>
-          </a:gsLst>
-          <a:lin ang="16200000" scaled="0"/>
-        </a:gradFill>
-      </a:fillStyleLst>
-      <a:lnStyleLst>
-        <a:ln w="9525" cap="flat" cmpd="sng" algn="ctr">
-          <a:solidFill>
-            <a:schemeClr val="phClr">
-              <a:shade val="95000"/>
-              <a:satMod val="105000"/>
-            </a:schemeClr>
-          </a:solidFill>
-          <a:prstDash val="solid"/>
-        </a:ln>
-        <a:ln w="25400" cap="flat" cmpd="sng" algn="ctr">
-          <a:solidFill>
-            <a:schemeClr val="phClr"/>
-          </a:solidFill>
-          <a:prstDash val="solid"/>
-        </a:ln>
-        <a:ln w="38100" cap="flat" cmpd="sng" algn="ctr">
-          <a:solidFill>
-            <a:schemeClr val="phClr"/>
-          </a:solidFill>
-          <a:prstDash val="solid"/>
-        </a:ln>
-      </a:lnStyleLst>
-      <a:effectStyleLst>
-        <a:effectStyle>
-          <a:effectLst>
-            <a:outerShdw blurRad="40000" dist="20000" dir="5400000" rotWithShape="0">
-              <a:srgbClr val="000000">
-                <a:alpha val="38000"/>
-              </a:srgbClr>
-            </a:outerShdw>
-          </a:effectLst>
-        </a:effectStyle>
-        <a:effectStyle>
-          <a:effectLst>
-            <a:outerShdw blurRad="40000" dist="23000" dir="5400000" rotWithShape="0">
-              <a:srgbClr val="000000">
-                <a:alpha val="35000"/>
-              </a:srgbClr>
-            </a:outerShdw>
-          </a:effectLst>
-        </a:effectStyle>
-        <a:effectStyle>
-          <a:effectLst>
-            <a:outerShdw blurRad="40000" dist="23000" dir="5400000" rotWithShape="0">
-              <a:srgbClr val="000000">
-                <a:alpha val="35000"/>
-              </a:srgbClr>
-            </a:outerShdw>
-          </a:effectLst>
-          <a:scene3d>
-            <a:camera prst="orthographicFront">
-              <a:rot lat="0" lon="0" rev="0"/>
-            </a:camera>
-            <a:lightRig rig="threePt" dir="t">
-              <a:rot lat="0" lon="0" rev="1200000"/>
-            </a:lightRig>
-          </a:scene3d>
-          <a:sp3d>
-            <a:bevelT w="63500" h="25400"/>
-          </a:sp3d>
-        </a:effectStyle>
-      </a:effectStyleLst>
-      <a:bgFillStyleLst>
-        <a:solidFill>
-          <a:schemeClr val="phClr"/>
-        </a:solidFill>
-        <a:gradFill rotWithShape="1">
-          <a:gsLst>
-            <a:gs pos="0">
-              <a:schemeClr val="phClr">
-                <a:tint val="40000"/>
-                <a:satMod val="350000"/>
-              </a:schemeClr>
-            </a:gs>
-            <a:gs pos="40000">
-              <a:schemeClr val="phClr">
-                <a:tint val="45000"/>
-                <a:shade val="99000"/>
-                <a:satMod val="350000"/>
-              </a:schemeClr>
-            </a:gs>
-            <a:gs pos="100000">
-              <a:schemeClr val="phClr">
-                <a:shade val="20000"/>
-                <a:satMod val="255000"/>
-              </a:schemeClr>
-            </a:gs>
-          </a:gsLst>
-          <a:path path="circle">
-            <a:fillToRect l="50000" t="-80000" r="50000" b="180000"/>
-          </a:path>
-        </a:gradFill>
-        <a:gradFill rotWithShape="1">
-          <a:gsLst>
-            <a:gs pos="0">
-              <a:schemeClr val="phClr">
-                <a:tint val="80000"/>
-                <a:satMod val="300000"/>
-              </a:schemeClr>
-            </a:gs>
-            <a:gs pos="100000">
-              <a:schemeClr val="phClr">
-                <a:shade val="30000"/>
-                <a:satMod val="200000"/>
-              </a:schemeClr>
-            </a:gs>
-          </a:gsLst>
-          <a:path path="circle">
-            <a:fillToRect l="50000" t="50000" r="50000" b="50000"/>
-          </a:path>
-        </a:gradFill>
-      </a:bgFillStyleLst>
-    </a:fmtScheme>
-  </a:themeElements>
-</a:theme>
 </file>